--- a/论文/1404240625-王俊-PPT.pptx
+++ b/论文/1404240625-王俊-PPT.pptx
@@ -6598,7 +6598,12 @@
             <p:ph type="body" sz="quarter" idx="10"/>
           </p:nvPr>
         </p:nvSpPr>
-        <p:spPr/>
+        <p:spPr>
+          <a:xfrm>
+            <a:off x="522697" y="2307026"/>
+            <a:ext cx="11146606" cy="937764"/>
+          </a:xfrm>
+        </p:spPr>
         <p:txBody>
           <a:bodyPr/>
           <a:lstStyle/>
@@ -6788,8 +6793,8 @@
         </p:nvSpPr>
         <p:spPr>
           <a:xfrm>
-            <a:off x="3155230" y="4702829"/>
-            <a:ext cx="5881540" cy="508364"/>
+            <a:off x="3155230" y="4702828"/>
+            <a:ext cx="5881540" cy="728153"/>
           </a:xfrm>
         </p:spPr>
         <p:txBody>
@@ -6814,7 +6819,7 @@
                 <a:latin typeface="Segoe UI"/>
                 <a:ea typeface="微软雅黑"/>
               </a:rPr>
-              <a:t>计科</a:t>
+              <a:t>计算机</a:t>
             </a:r>
             <a:r>
               <a:rPr lang="en-US" altLang="zh-CN" dirty="0">
@@ -6828,12 +6833,15 @@
                 <a:latin typeface="Segoe UI"/>
                 <a:ea typeface="微软雅黑"/>
               </a:rPr>
-              <a:t>班</a:t>
-            </a:r>
-            <a:endParaRPr lang="en-US" altLang="zh-CN" dirty="0">
-              <a:latin typeface="Segoe UI"/>
-              <a:ea typeface="微软雅黑"/>
-            </a:endParaRPr>
+              <a:t>班 </a:t>
+            </a:r>
+            <a:r>
+              <a:rPr lang="en-US" altLang="zh-CN" dirty="0">
+                <a:latin typeface="Segoe UI"/>
+                <a:ea typeface="微软雅黑"/>
+              </a:rPr>
+              <a:t>1404240625</a:t>
+            </a:r>
           </a:p>
         </p:txBody>
       </p:sp>
@@ -6895,6 +6903,54 @@
           </a:prstGeom>
         </p:spPr>
       </p:pic>
+      <p:sp>
+        <p:nvSpPr>
+          <p:cNvPr id="7" name="文本框 6">
+            <a:extLst>
+              <a:ext uri="{FF2B5EF4-FFF2-40B4-BE49-F238E27FC236}">
+                <a16:creationId xmlns:a16="http://schemas.microsoft.com/office/drawing/2014/main" id="{0E137CA7-931A-4F2C-8B55-1153B5865D65}"/>
+              </a:ext>
+            </a:extLst>
+          </p:cNvPr>
+          <p:cNvSpPr txBox="1"/>
+          <p:nvPr/>
+        </p:nvSpPr>
+        <p:spPr>
+          <a:xfrm>
+            <a:off x="3905757" y="1052350"/>
+            <a:ext cx="4380485" cy="525657"/>
+          </a:xfrm>
+          <a:prstGeom prst="rect">
+            <a:avLst/>
+          </a:prstGeom>
+          <a:noFill/>
+        </p:spPr>
+        <p:txBody>
+          <a:bodyPr wrap="square" rtlCol="0">
+            <a:spAutoFit/>
+          </a:bodyPr>
+          <a:lstStyle/>
+          <a:p>
+            <a:pPr algn="ctr">
+              <a:lnSpc>
+                <a:spcPct val="130000"/>
+              </a:lnSpc>
+              <a:spcBef>
+                <a:spcPts val="600"/>
+              </a:spcBef>
+            </a:pPr>
+            <a:r>
+              <a:rPr lang="zh-CN" altLang="en-US" sz="2400" kern="0" dirty="0">
+                <a:latin typeface="微软雅黑" panose="020B0503020204020204" pitchFamily="34" charset="-122"/>
+                <a:ea typeface="微软雅黑" panose="020B0503020204020204" pitchFamily="34" charset="-122"/>
+                <a:cs typeface="+mn-ea"/>
+                <a:sym typeface="+mn-lt"/>
+              </a:rPr>
+              <a:t>武汉纺织大学</a:t>
+            </a:r>
+          </a:p>
+        </p:txBody>
+      </p:sp>
     </p:spTree>
     <p:extLst>
       <p:ext uri="{BB962C8B-B14F-4D97-AF65-F5344CB8AC3E}">
@@ -7462,7 +7518,12 @@
             <p:ph type="body" sz="quarter" idx="11"/>
           </p:nvPr>
         </p:nvSpPr>
-        <p:spPr/>
+        <p:spPr>
+          <a:xfrm>
+            <a:off x="634934" y="2485629"/>
+            <a:ext cx="4588044" cy="888855"/>
+          </a:xfrm>
+        </p:spPr>
         <p:txBody>
           <a:bodyPr/>
           <a:lstStyle/>
@@ -7484,7 +7545,12 @@
             <p:ph type="body" sz="quarter" idx="12"/>
           </p:nvPr>
         </p:nvSpPr>
-        <p:spPr/>
+        <p:spPr>
+          <a:xfrm>
+            <a:off x="634934" y="3374485"/>
+            <a:ext cx="4588044" cy="401052"/>
+          </a:xfrm>
+        </p:spPr>
         <p:txBody>
           <a:bodyPr/>
           <a:lstStyle/>
@@ -7509,7 +7575,7 @@
         </p:nvSpPr>
         <p:spPr>
           <a:xfrm>
-            <a:off x="423742" y="3348167"/>
+            <a:off x="7006318" y="443512"/>
             <a:ext cx="2011686" cy="455476"/>
           </a:xfrm>
         </p:spPr>
@@ -7542,7 +7608,7 @@
         </p:nvSpPr>
         <p:spPr>
           <a:xfrm>
-            <a:off x="423741" y="3803643"/>
+            <a:off x="5022373" y="528366"/>
             <a:ext cx="2011686" cy="455476"/>
           </a:xfrm>
         </p:spPr>
@@ -7551,7 +7617,7 @@
           <a:lstStyle/>
           <a:p>
             <a:r>
-              <a:rPr lang="en-US" altLang="zh-CN" b="1" u="sng" dirty="0">
+              <a:rPr lang="en-US" altLang="zh-CN" sz="2400" b="1" u="sng" dirty="0">
                 <a:solidFill>
                   <a:srgbClr val="000000"/>
                 </a:solidFill>
@@ -7582,7 +7648,7 @@
         </p:nvSpPr>
         <p:spPr>
           <a:xfrm>
-            <a:off x="1463227" y="4714595"/>
+            <a:off x="8946839" y="1211878"/>
             <a:ext cx="2011686" cy="455476"/>
           </a:xfrm>
         </p:spPr>
@@ -7615,7 +7681,7 @@
         </p:nvSpPr>
         <p:spPr>
           <a:xfrm>
-            <a:off x="1628139" y="5170071"/>
+            <a:off x="5848541" y="1347595"/>
             <a:ext cx="1846774" cy="455476"/>
           </a:xfrm>
         </p:spPr>
@@ -7624,7 +7690,7 @@
           <a:lstStyle/>
           <a:p>
             <a:r>
-              <a:rPr lang="en-US" altLang="zh-CN" b="1" u="sng" dirty="0">
+              <a:rPr lang="en-US" altLang="zh-CN" sz="2400" b="1" u="sng" dirty="0">
                 <a:solidFill>
                   <a:srgbClr val="000000"/>
                 </a:solidFill>
@@ -7655,7 +7721,7 @@
         </p:nvSpPr>
         <p:spPr>
           <a:xfrm>
-            <a:off x="3017834" y="3336224"/>
+            <a:off x="9029295" y="2872138"/>
             <a:ext cx="1846774" cy="455476"/>
           </a:xfrm>
         </p:spPr>
@@ -7688,7 +7754,7 @@
         </p:nvSpPr>
         <p:spPr>
           <a:xfrm>
-            <a:off x="3017834" y="3791700"/>
+            <a:off x="5104829" y="2166824"/>
             <a:ext cx="1846774" cy="455476"/>
           </a:xfrm>
         </p:spPr>
@@ -7697,7 +7763,7 @@
           <a:lstStyle/>
           <a:p>
             <a:r>
-              <a:rPr lang="en-US" altLang="zh-CN" b="1" u="sng" dirty="0">
+              <a:rPr lang="en-US" altLang="zh-CN" sz="2400" b="1" u="sng" dirty="0">
                 <a:solidFill>
                   <a:srgbClr val="000000"/>
                 </a:solidFill>
@@ -7728,7 +7794,7 @@
         </p:nvSpPr>
         <p:spPr>
           <a:xfrm>
-            <a:off x="5581348" y="3338268"/>
+            <a:off x="7088774" y="3678968"/>
             <a:ext cx="1846774" cy="455476"/>
           </a:xfrm>
         </p:spPr>
@@ -7768,7 +7834,7 @@
         </p:nvSpPr>
         <p:spPr>
           <a:xfrm>
-            <a:off x="5625994" y="3865772"/>
+            <a:off x="5104829" y="3805282"/>
             <a:ext cx="1846774" cy="455476"/>
           </a:xfrm>
         </p:spPr>
@@ -7777,7 +7843,7 @@
           <a:lstStyle/>
           <a:p>
             <a:r>
-              <a:rPr lang="en-US" altLang="zh-CN" b="1" u="sng" dirty="0">
+              <a:rPr lang="en-US" altLang="zh-CN" sz="2400" b="1" u="sng" dirty="0">
                 <a:solidFill>
                   <a:srgbClr val="000000"/>
                 </a:solidFill>
@@ -7808,7 +7874,7 @@
         </p:nvSpPr>
         <p:spPr>
           <a:xfrm>
-            <a:off x="7150928" y="4690207"/>
+            <a:off x="9018004" y="4533903"/>
             <a:ext cx="1846774" cy="455476"/>
           </a:xfrm>
         </p:spPr>
@@ -7848,7 +7914,7 @@
         </p:nvSpPr>
         <p:spPr>
           <a:xfrm>
-            <a:off x="7150927" y="5145683"/>
+            <a:off x="5848541" y="4624511"/>
             <a:ext cx="1846774" cy="455476"/>
           </a:xfrm>
         </p:spPr>
@@ -7857,7 +7923,7 @@
           <a:lstStyle/>
           <a:p>
             <a:r>
-              <a:rPr lang="en-US" altLang="zh-CN" b="1" u="sng" dirty="0">
+              <a:rPr lang="en-US" altLang="zh-CN" sz="2400" b="1" u="sng" dirty="0">
                 <a:solidFill>
                   <a:srgbClr val="000000"/>
                 </a:solidFill>
@@ -7888,7 +7954,7 @@
         </p:nvSpPr>
         <p:spPr>
           <a:xfrm>
-            <a:off x="4322187" y="4714595"/>
+            <a:off x="7088774" y="1989412"/>
             <a:ext cx="1846774" cy="455476"/>
           </a:xfrm>
         </p:spPr>
@@ -7921,7 +7987,7 @@
         </p:nvSpPr>
         <p:spPr>
           <a:xfrm>
-            <a:off x="4322187" y="5170071"/>
+            <a:off x="5848541" y="2986053"/>
             <a:ext cx="1846774" cy="455476"/>
           </a:xfrm>
         </p:spPr>
@@ -7930,7 +7996,7 @@
           <a:lstStyle/>
           <a:p>
             <a:r>
-              <a:rPr lang="en-US" altLang="zh-CN" b="1" u="sng" dirty="0">
+              <a:rPr lang="en-US" altLang="zh-CN" sz="2400" b="1" u="sng" dirty="0">
                 <a:solidFill>
                   <a:srgbClr val="000000"/>
                 </a:solidFill>
@@ -7957,7 +8023,7 @@
         </p:nvSpPr>
         <p:spPr>
           <a:xfrm>
-            <a:off x="804055" y="4195617"/>
+            <a:off x="7421916" y="798440"/>
             <a:ext cx="1180491" cy="60756"/>
           </a:xfrm>
           <a:prstGeom prst="rect">
@@ -8003,7 +8069,7 @@
         </p:nvSpPr>
         <p:spPr>
           <a:xfrm>
-            <a:off x="2019006" y="5563418"/>
+            <a:off x="9410823" y="1599771"/>
             <a:ext cx="1083718" cy="60756"/>
           </a:xfrm>
           <a:prstGeom prst="rect">
@@ -8049,7 +8115,7 @@
         </p:nvSpPr>
         <p:spPr>
           <a:xfrm>
-            <a:off x="3419254" y="4185047"/>
+            <a:off x="9410823" y="3329327"/>
             <a:ext cx="1083718" cy="60756"/>
           </a:xfrm>
           <a:prstGeom prst="rect">
@@ -8095,7 +8161,7 @@
         </p:nvSpPr>
         <p:spPr>
           <a:xfrm>
-            <a:off x="4735984" y="5563418"/>
+            <a:off x="7470302" y="2400003"/>
             <a:ext cx="1083718" cy="60756"/>
           </a:xfrm>
           <a:prstGeom prst="rect">
@@ -8141,7 +8207,7 @@
         </p:nvSpPr>
         <p:spPr>
           <a:xfrm>
-            <a:off x="6007522" y="4185718"/>
+            <a:off x="7470302" y="4336818"/>
             <a:ext cx="1083718" cy="60756"/>
           </a:xfrm>
           <a:prstGeom prst="rect">
@@ -8187,7 +8253,7 @@
         </p:nvSpPr>
         <p:spPr>
           <a:xfrm>
-            <a:off x="7589480" y="5539030"/>
+            <a:off x="9410823" y="4948473"/>
             <a:ext cx="1083718" cy="60756"/>
           </a:xfrm>
           <a:prstGeom prst="rect">
@@ -8241,7 +8307,7 @@
         </p:nvSpPr>
         <p:spPr>
           <a:xfrm>
-            <a:off x="8673199" y="3345421"/>
+            <a:off x="7088774" y="5300777"/>
             <a:ext cx="1846774" cy="455476"/>
           </a:xfrm>
           <a:prstGeom prst="rect">
@@ -8444,7 +8510,7 @@
         </p:nvSpPr>
         <p:spPr>
           <a:xfrm>
-            <a:off x="8673198" y="3800897"/>
+            <a:off x="5080445" y="5370588"/>
             <a:ext cx="1846774" cy="455476"/>
           </a:xfrm>
           <a:prstGeom prst="rect">
@@ -8619,7 +8685,7 @@
           </a:lstStyle>
           <a:p>
             <a:r>
-              <a:rPr lang="en-US" altLang="zh-CN" b="1" u="sng" dirty="0">
+              <a:rPr lang="en-US" altLang="zh-CN" sz="2400" b="1" u="sng" dirty="0">
                 <a:solidFill>
                   <a:srgbClr val="000000"/>
                 </a:solidFill>
@@ -8628,7 +8694,7 @@
               </a:rPr>
               <a:t>G</a:t>
             </a:r>
-            <a:endParaRPr lang="zh-CN" altLang="en-US" b="1" u="sng" dirty="0">
+            <a:endParaRPr lang="zh-CN" altLang="en-US" sz="2400" b="1" u="sng" dirty="0">
               <a:solidFill>
                 <a:srgbClr val="000000"/>
               </a:solidFill>
@@ -8652,7 +8718,7 @@
         </p:nvSpPr>
         <p:spPr>
           <a:xfrm>
-            <a:off x="9111751" y="4194244"/>
+            <a:off x="7470302" y="5756253"/>
             <a:ext cx="1083718" cy="60756"/>
           </a:xfrm>
           <a:prstGeom prst="rect">
@@ -8706,7 +8772,7 @@
         </p:nvSpPr>
         <p:spPr>
           <a:xfrm>
-            <a:off x="9979668" y="4654832"/>
+            <a:off x="9029295" y="5986609"/>
             <a:ext cx="1846774" cy="455476"/>
           </a:xfrm>
           <a:prstGeom prst="rect">
@@ -8909,7 +8975,7 @@
         </p:nvSpPr>
         <p:spPr>
           <a:xfrm>
-            <a:off x="9979667" y="5110308"/>
+            <a:off x="5872925" y="6067350"/>
             <a:ext cx="1846774" cy="455476"/>
           </a:xfrm>
           <a:prstGeom prst="rect">
@@ -9084,7 +9150,7 @@
           </a:lstStyle>
           <a:p>
             <a:r>
-              <a:rPr lang="en-US" altLang="zh-CN" b="1" u="sng" dirty="0">
+              <a:rPr lang="en-US" altLang="zh-CN" sz="2400" b="1" u="sng" dirty="0">
                 <a:solidFill>
                   <a:srgbClr val="000000"/>
                 </a:solidFill>
@@ -9117,7 +9183,7 @@
         </p:nvSpPr>
         <p:spPr>
           <a:xfrm>
-            <a:off x="10418220" y="5503655"/>
+            <a:off x="9410823" y="6385505"/>
             <a:ext cx="1083718" cy="60756"/>
           </a:xfrm>
           <a:prstGeom prst="rect">
@@ -9187,6 +9253,272 @@
           </a:prstGeom>
         </p:spPr>
       </p:pic>
+      <p:cxnSp>
+        <p:nvCxnSpPr>
+          <p:cNvPr id="5" name="直接连接符 4">
+            <a:extLst>
+              <a:ext uri="{FF2B5EF4-FFF2-40B4-BE49-F238E27FC236}">
+                <a16:creationId xmlns:a16="http://schemas.microsoft.com/office/drawing/2014/main" id="{0A15A359-1960-4DF4-8F86-3DA5EBF91CF3}"/>
+              </a:ext>
+            </a:extLst>
+          </p:cNvPr>
+          <p:cNvCxnSpPr>
+            <a:cxnSpLocks/>
+          </p:cNvCxnSpPr>
+          <p:nvPr/>
+        </p:nvCxnSpPr>
+        <p:spPr>
+          <a:xfrm>
+            <a:off x="6144768" y="898806"/>
+            <a:ext cx="522461" cy="497557"/>
+          </a:xfrm>
+          <a:prstGeom prst="line">
+            <a:avLst/>
+          </a:prstGeom>
+        </p:spPr>
+        <p:style>
+          <a:lnRef idx="3">
+            <a:schemeClr val="accent1"/>
+          </a:lnRef>
+          <a:fillRef idx="0">
+            <a:schemeClr val="accent1"/>
+          </a:fillRef>
+          <a:effectRef idx="2">
+            <a:schemeClr val="accent1"/>
+          </a:effectRef>
+          <a:fontRef idx="minor">
+            <a:schemeClr val="tx1"/>
+          </a:fontRef>
+        </p:style>
+      </p:cxnSp>
+      <p:cxnSp>
+        <p:nvCxnSpPr>
+          <p:cNvPr id="33" name="直接连接符 32">
+            <a:extLst>
+              <a:ext uri="{FF2B5EF4-FFF2-40B4-BE49-F238E27FC236}">
+                <a16:creationId xmlns:a16="http://schemas.microsoft.com/office/drawing/2014/main" id="{354A44E1-4F75-4547-8A98-8FADC6FA8F45}"/>
+              </a:ext>
+            </a:extLst>
+          </p:cNvPr>
+          <p:cNvCxnSpPr>
+            <a:cxnSpLocks/>
+          </p:cNvCxnSpPr>
+          <p:nvPr/>
+        </p:nvCxnSpPr>
+        <p:spPr>
+          <a:xfrm>
+            <a:off x="6150864" y="2538630"/>
+            <a:ext cx="522461" cy="497557"/>
+          </a:xfrm>
+          <a:prstGeom prst="line">
+            <a:avLst/>
+          </a:prstGeom>
+        </p:spPr>
+        <p:style>
+          <a:lnRef idx="3">
+            <a:schemeClr val="accent1"/>
+          </a:lnRef>
+          <a:fillRef idx="0">
+            <a:schemeClr val="accent1"/>
+          </a:fillRef>
+          <a:effectRef idx="2">
+            <a:schemeClr val="accent1"/>
+          </a:effectRef>
+          <a:fontRef idx="minor">
+            <a:schemeClr val="tx1"/>
+          </a:fontRef>
+        </p:style>
+      </p:cxnSp>
+      <p:cxnSp>
+        <p:nvCxnSpPr>
+          <p:cNvPr id="34" name="直接连接符 33">
+            <a:extLst>
+              <a:ext uri="{FF2B5EF4-FFF2-40B4-BE49-F238E27FC236}">
+                <a16:creationId xmlns:a16="http://schemas.microsoft.com/office/drawing/2014/main" id="{2E5AA29F-E6AA-405B-8A8F-FDE5AA24F7D1}"/>
+              </a:ext>
+            </a:extLst>
+          </p:cNvPr>
+          <p:cNvCxnSpPr>
+            <a:cxnSpLocks/>
+          </p:cNvCxnSpPr>
+          <p:nvPr/>
+        </p:nvCxnSpPr>
+        <p:spPr>
+          <a:xfrm>
+            <a:off x="6144768" y="4154070"/>
+            <a:ext cx="522461" cy="497557"/>
+          </a:xfrm>
+          <a:prstGeom prst="line">
+            <a:avLst/>
+          </a:prstGeom>
+        </p:spPr>
+        <p:style>
+          <a:lnRef idx="3">
+            <a:schemeClr val="accent1"/>
+          </a:lnRef>
+          <a:fillRef idx="0">
+            <a:schemeClr val="accent1"/>
+          </a:fillRef>
+          <a:effectRef idx="2">
+            <a:schemeClr val="accent1"/>
+          </a:effectRef>
+          <a:fontRef idx="minor">
+            <a:schemeClr val="tx1"/>
+          </a:fontRef>
+        </p:style>
+      </p:cxnSp>
+      <p:cxnSp>
+        <p:nvCxnSpPr>
+          <p:cNvPr id="35" name="直接连接符 34">
+            <a:extLst>
+              <a:ext uri="{FF2B5EF4-FFF2-40B4-BE49-F238E27FC236}">
+                <a16:creationId xmlns:a16="http://schemas.microsoft.com/office/drawing/2014/main" id="{381867D1-2561-4AD5-AD9D-796E3BFF79BE}"/>
+              </a:ext>
+            </a:extLst>
+          </p:cNvPr>
+          <p:cNvCxnSpPr>
+            <a:cxnSpLocks/>
+          </p:cNvCxnSpPr>
+          <p:nvPr/>
+        </p:nvCxnSpPr>
+        <p:spPr>
+          <a:xfrm>
+            <a:off x="6138672" y="5671974"/>
+            <a:ext cx="522461" cy="497557"/>
+          </a:xfrm>
+          <a:prstGeom prst="line">
+            <a:avLst/>
+          </a:prstGeom>
+        </p:spPr>
+        <p:style>
+          <a:lnRef idx="3">
+            <a:schemeClr val="accent1"/>
+          </a:lnRef>
+          <a:fillRef idx="0">
+            <a:schemeClr val="accent1"/>
+          </a:fillRef>
+          <a:effectRef idx="2">
+            <a:schemeClr val="accent1"/>
+          </a:effectRef>
+          <a:fontRef idx="minor">
+            <a:schemeClr val="tx1"/>
+          </a:fontRef>
+        </p:style>
+      </p:cxnSp>
+      <p:cxnSp>
+        <p:nvCxnSpPr>
+          <p:cNvPr id="36" name="直接连接符 35">
+            <a:extLst>
+              <a:ext uri="{FF2B5EF4-FFF2-40B4-BE49-F238E27FC236}">
+                <a16:creationId xmlns:a16="http://schemas.microsoft.com/office/drawing/2014/main" id="{404D40B1-0D28-4EA9-9CAC-7576B22C072F}"/>
+              </a:ext>
+            </a:extLst>
+          </p:cNvPr>
+          <p:cNvCxnSpPr>
+            <a:cxnSpLocks/>
+          </p:cNvCxnSpPr>
+          <p:nvPr/>
+        </p:nvCxnSpPr>
+        <p:spPr>
+          <a:xfrm rot="16200000">
+            <a:off x="6126220" y="1721132"/>
+            <a:ext cx="522461" cy="497557"/>
+          </a:xfrm>
+          <a:prstGeom prst="line">
+            <a:avLst/>
+          </a:prstGeom>
+        </p:spPr>
+        <p:style>
+          <a:lnRef idx="3">
+            <a:schemeClr val="accent1"/>
+          </a:lnRef>
+          <a:fillRef idx="0">
+            <a:schemeClr val="accent1"/>
+          </a:fillRef>
+          <a:effectRef idx="2">
+            <a:schemeClr val="accent1"/>
+          </a:effectRef>
+          <a:fontRef idx="minor">
+            <a:schemeClr val="tx1"/>
+          </a:fontRef>
+        </p:style>
+      </p:cxnSp>
+      <p:cxnSp>
+        <p:nvCxnSpPr>
+          <p:cNvPr id="37" name="直接连接符 36">
+            <a:extLst>
+              <a:ext uri="{FF2B5EF4-FFF2-40B4-BE49-F238E27FC236}">
+                <a16:creationId xmlns:a16="http://schemas.microsoft.com/office/drawing/2014/main" id="{27D50F1E-239F-46FA-A29C-5ACB036DA909}"/>
+              </a:ext>
+            </a:extLst>
+          </p:cNvPr>
+          <p:cNvCxnSpPr>
+            <a:cxnSpLocks/>
+          </p:cNvCxnSpPr>
+          <p:nvPr/>
+        </p:nvCxnSpPr>
+        <p:spPr>
+          <a:xfrm rot="16200000">
+            <a:off x="6126219" y="3385435"/>
+            <a:ext cx="522461" cy="497557"/>
+          </a:xfrm>
+          <a:prstGeom prst="line">
+            <a:avLst/>
+          </a:prstGeom>
+        </p:spPr>
+        <p:style>
+          <a:lnRef idx="3">
+            <a:schemeClr val="accent1"/>
+          </a:lnRef>
+          <a:fillRef idx="0">
+            <a:schemeClr val="accent1"/>
+          </a:fillRef>
+          <a:effectRef idx="2">
+            <a:schemeClr val="accent1"/>
+          </a:effectRef>
+          <a:fontRef idx="minor">
+            <a:schemeClr val="tx1"/>
+          </a:fontRef>
+        </p:style>
+      </p:cxnSp>
+      <p:cxnSp>
+        <p:nvCxnSpPr>
+          <p:cNvPr id="39" name="直接连接符 38">
+            <a:extLst>
+              <a:ext uri="{FF2B5EF4-FFF2-40B4-BE49-F238E27FC236}">
+                <a16:creationId xmlns:a16="http://schemas.microsoft.com/office/drawing/2014/main" id="{A15B6ACD-A88A-44D8-89B9-E665D4F0BFCA}"/>
+              </a:ext>
+            </a:extLst>
+          </p:cNvPr>
+          <p:cNvCxnSpPr>
+            <a:cxnSpLocks/>
+          </p:cNvCxnSpPr>
+          <p:nvPr/>
+        </p:nvCxnSpPr>
+        <p:spPr>
+          <a:xfrm rot="16200000">
+            <a:off x="6119418" y="4960925"/>
+            <a:ext cx="522461" cy="497557"/>
+          </a:xfrm>
+          <a:prstGeom prst="line">
+            <a:avLst/>
+          </a:prstGeom>
+        </p:spPr>
+        <p:style>
+          <a:lnRef idx="3">
+            <a:schemeClr val="accent1"/>
+          </a:lnRef>
+          <a:fillRef idx="0">
+            <a:schemeClr val="accent1"/>
+          </a:fillRef>
+          <a:effectRef idx="2">
+            <a:schemeClr val="accent1"/>
+          </a:effectRef>
+          <a:fontRef idx="minor">
+            <a:schemeClr val="tx1"/>
+          </a:fontRef>
+        </p:style>
+      </p:cxnSp>
     </p:spTree>
     <p:extLst>
       <p:ext uri="{BB962C8B-B14F-4D97-AF65-F5344CB8AC3E}">
@@ -11174,6 +11506,36 @@
           </a:prstGeom>
         </p:spPr>
       </p:pic>
+      <p:pic>
+        <p:nvPicPr>
+          <p:cNvPr id="7" name="图片 6">
+            <a:extLst>
+              <a:ext uri="{FF2B5EF4-FFF2-40B4-BE49-F238E27FC236}">
+                <a16:creationId xmlns:a16="http://schemas.microsoft.com/office/drawing/2014/main" id="{B0A46AA9-F23F-4712-8F99-0F44708BC036}"/>
+              </a:ext>
+            </a:extLst>
+          </p:cNvPr>
+          <p:cNvPicPr>
+            <a:picLocks noChangeAspect="1"/>
+          </p:cNvPicPr>
+          <p:nvPr/>
+        </p:nvPicPr>
+        <p:blipFill>
+          <a:blip r:embed="rId3"/>
+          <a:stretch>
+            <a:fillRect/>
+          </a:stretch>
+        </p:blipFill>
+        <p:spPr>
+          <a:xfrm>
+            <a:off x="2389060" y="3170490"/>
+            <a:ext cx="3524632" cy="1516151"/>
+          </a:xfrm>
+          <a:prstGeom prst="rect">
+            <a:avLst/>
+          </a:prstGeom>
+        </p:spPr>
+      </p:pic>
     </p:spTree>
     <p:extLst>
       <p:ext uri="{BB962C8B-B14F-4D97-AF65-F5344CB8AC3E}">
@@ -12085,8 +12447,8 @@
         </p:nvSpPr>
         <p:spPr>
           <a:xfrm>
-            <a:off x="5958534" y="4635709"/>
-            <a:ext cx="1802096" cy="369332"/>
+            <a:off x="5926474" y="4635709"/>
+            <a:ext cx="1866217" cy="369332"/>
           </a:xfrm>
           <a:prstGeom prst="rect">
             <a:avLst/>
@@ -12100,14 +12462,14 @@
           <a:p>
             <a:pPr algn="ctr"/>
             <a:r>
-              <a:rPr lang="en-US" altLang="zh-CN" b="1" dirty="0" err="1">
+              <a:rPr lang="en-US" altLang="zh-CN" b="1" dirty="0">
                 <a:solidFill>
                   <a:srgbClr val="000000"/>
                 </a:solidFill>
                 <a:latin typeface="Segoe UI"/>
                 <a:ea typeface="微软雅黑"/>
               </a:rPr>
-              <a:t>AudioManager</a:t>
+              <a:t>Audio Manager</a:t>
             </a:r>
             <a:endParaRPr lang="zh-CN" altLang="en-US" b="1" dirty="0">
               <a:solidFill>
@@ -12325,8 +12687,8 @@
         </p:nvSpPr>
         <p:spPr>
           <a:xfrm>
-            <a:off x="8534402" y="4635709"/>
-            <a:ext cx="2006383" cy="369332"/>
+            <a:off x="8502342" y="4635709"/>
+            <a:ext cx="2070503" cy="369332"/>
           </a:xfrm>
           <a:prstGeom prst="rect">
             <a:avLst/>
@@ -12340,14 +12702,14 @@
           <a:p>
             <a:pPr algn="ctr"/>
             <a:r>
-              <a:rPr lang="en-US" altLang="zh-CN" b="1" dirty="0" err="1">
+              <a:rPr lang="en-US" altLang="zh-CN" b="1" dirty="0">
                 <a:solidFill>
                   <a:srgbClr val="000000"/>
                 </a:solidFill>
                 <a:latin typeface="Segoe UI"/>
                 <a:ea typeface="微软雅黑"/>
               </a:rPr>
-              <a:t>MouseController</a:t>
+              <a:t>Mouse Controller</a:t>
             </a:r>
             <a:endParaRPr lang="zh-CN" altLang="en-US" b="1" dirty="0">
               <a:solidFill>
@@ -13037,8 +13399,8 @@
         </p:blipFill>
         <p:spPr>
           <a:xfrm>
-            <a:off x="4504321" y="25400"/>
-            <a:ext cx="5243624" cy="6832600"/>
+            <a:off x="4684904" y="485137"/>
+            <a:ext cx="5243624" cy="5943379"/>
           </a:xfrm>
           <a:prstGeom prst="rect">
             <a:avLst/>
@@ -13075,6 +13437,60 @@
           </a:prstGeom>
         </p:spPr>
       </p:pic>
+      <p:sp>
+        <p:nvSpPr>
+          <p:cNvPr id="3" name="文本框 2">
+            <a:extLst>
+              <a:ext uri="{FF2B5EF4-FFF2-40B4-BE49-F238E27FC236}">
+                <a16:creationId xmlns:a16="http://schemas.microsoft.com/office/drawing/2014/main" id="{BE5A00B6-D3E8-415A-B901-921C92662A9F}"/>
+              </a:ext>
+            </a:extLst>
+          </p:cNvPr>
+          <p:cNvSpPr txBox="1"/>
+          <p:nvPr/>
+        </p:nvSpPr>
+        <p:spPr>
+          <a:xfrm>
+            <a:off x="2753256" y="1408515"/>
+            <a:ext cx="1907425" cy="417358"/>
+          </a:xfrm>
+          <a:prstGeom prst="rect">
+            <a:avLst/>
+          </a:prstGeom>
+          <a:noFill/>
+        </p:spPr>
+        <p:txBody>
+          <a:bodyPr wrap="square" rtlCol="0">
+            <a:spAutoFit/>
+          </a:bodyPr>
+          <a:lstStyle/>
+          <a:p>
+            <a:pPr>
+              <a:lnSpc>
+                <a:spcPct val="130000"/>
+              </a:lnSpc>
+              <a:spcBef>
+                <a:spcPts val="600"/>
+              </a:spcBef>
+            </a:pPr>
+            <a:r>
+              <a:rPr lang="zh-CN" altLang="en-US" kern="0" dirty="0">
+                <a:latin typeface="微软雅黑" panose="020B0503020204020204" pitchFamily="34" charset="-122"/>
+                <a:ea typeface="微软雅黑" panose="020B0503020204020204" pitchFamily="34" charset="-122"/>
+                <a:cs typeface="+mn-ea"/>
+                <a:sym typeface="+mn-lt"/>
+              </a:rPr>
+              <a:t>游戏流程图</a:t>
+            </a:r>
+            <a:endParaRPr lang="zh-CN" altLang="en-US" sz="1050" kern="0" dirty="0">
+              <a:latin typeface="微软雅黑" panose="020B0503020204020204" pitchFamily="34" charset="-122"/>
+              <a:ea typeface="微软雅黑" panose="020B0503020204020204" pitchFamily="34" charset="-122"/>
+              <a:cs typeface="+mn-ea"/>
+              <a:sym typeface="+mn-lt"/>
+            </a:endParaRPr>
+          </a:p>
+        </p:txBody>
+      </p:sp>
     </p:spTree>
     <p:extLst>
       <p:ext uri="{BB962C8B-B14F-4D97-AF65-F5344CB8AC3E}">

--- a/论文/1404240625-王俊-PPT.pptx
+++ b/论文/1404240625-王俊-PPT.pptx
@@ -5,6 +5,9 @@
     <p:sldMasterId id="2147483666" r:id="rId1"/>
     <p:sldMasterId id="2147483679" r:id="rId2"/>
   </p:sldMasterIdLst>
+  <p:notesMasterIdLst>
+    <p:notesMasterId r:id="rId13"/>
+  </p:notesMasterIdLst>
   <p:sldIdLst>
     <p:sldId id="280" r:id="rId3"/>
     <p:sldId id="293" r:id="rId4"/>
@@ -120,6 +123,1372 @@
     </p:ext>
   </p:extLst>
 </p:presentation>
+</file>
+
+<file path=ppt/notesMasters/notesMaster1.xml><?xml version="1.0" encoding="utf-8"?>
+<p:notesMaster xmlns:a="http://schemas.openxmlformats.org/drawingml/2006/main" xmlns:r="http://schemas.openxmlformats.org/officeDocument/2006/relationships" xmlns:p="http://schemas.openxmlformats.org/presentationml/2006/main">
+  <p:cSld>
+    <p:bg>
+      <p:bgRef idx="1001">
+        <a:schemeClr val="bg1"/>
+      </p:bgRef>
+    </p:bg>
+    <p:spTree>
+      <p:nvGrpSpPr>
+        <p:cNvPr id="1" name=""/>
+        <p:cNvGrpSpPr/>
+        <p:nvPr/>
+      </p:nvGrpSpPr>
+      <p:grpSpPr>
+        <a:xfrm>
+          <a:off x="0" y="0"/>
+          <a:ext cx="0" cy="0"/>
+          <a:chOff x="0" y="0"/>
+          <a:chExt cx="0" cy="0"/>
+        </a:xfrm>
+      </p:grpSpPr>
+      <p:sp>
+        <p:nvSpPr>
+          <p:cNvPr id="2" name="页眉占位符 1"/>
+          <p:cNvSpPr>
+            <a:spLocks noGrp="1"/>
+          </p:cNvSpPr>
+          <p:nvPr>
+            <p:ph type="hdr" sz="quarter"/>
+          </p:nvPr>
+        </p:nvSpPr>
+        <p:spPr>
+          <a:xfrm>
+            <a:off x="0" y="0"/>
+            <a:ext cx="2971800" cy="458788"/>
+          </a:xfrm>
+          <a:prstGeom prst="rect">
+            <a:avLst/>
+          </a:prstGeom>
+        </p:spPr>
+        <p:txBody>
+          <a:bodyPr vert="horz" lIns="91440" tIns="45720" rIns="91440" bIns="45720" rtlCol="0"/>
+          <a:lstStyle>
+            <a:lvl1pPr algn="l">
+              <a:defRPr sz="1200"/>
+            </a:lvl1pPr>
+          </a:lstStyle>
+          <a:p>
+            <a:endParaRPr lang="zh-CN" altLang="en-US"/>
+          </a:p>
+        </p:txBody>
+      </p:sp>
+      <p:sp>
+        <p:nvSpPr>
+          <p:cNvPr id="3" name="日期占位符 2"/>
+          <p:cNvSpPr>
+            <a:spLocks noGrp="1"/>
+          </p:cNvSpPr>
+          <p:nvPr>
+            <p:ph type="dt" idx="1"/>
+          </p:nvPr>
+        </p:nvSpPr>
+        <p:spPr>
+          <a:xfrm>
+            <a:off x="3884613" y="0"/>
+            <a:ext cx="2971800" cy="458788"/>
+          </a:xfrm>
+          <a:prstGeom prst="rect">
+            <a:avLst/>
+          </a:prstGeom>
+        </p:spPr>
+        <p:txBody>
+          <a:bodyPr vert="horz" lIns="91440" tIns="45720" rIns="91440" bIns="45720" rtlCol="0"/>
+          <a:lstStyle>
+            <a:lvl1pPr algn="r">
+              <a:defRPr sz="1200"/>
+            </a:lvl1pPr>
+          </a:lstStyle>
+          <a:p>
+            <a:fld id="{55C055F6-2CFD-4D8B-A170-76A578B333B3}" type="datetimeFigureOut">
+              <a:rPr lang="zh-CN" altLang="en-US" smtClean="0"/>
+              <a:t>18/05/17</a:t>
+            </a:fld>
+            <a:endParaRPr lang="zh-CN" altLang="en-US"/>
+          </a:p>
+        </p:txBody>
+      </p:sp>
+      <p:sp>
+        <p:nvSpPr>
+          <p:cNvPr id="4" name="幻灯片图像占位符 3"/>
+          <p:cNvSpPr>
+            <a:spLocks noGrp="1" noRot="1" noChangeAspect="1"/>
+          </p:cNvSpPr>
+          <p:nvPr>
+            <p:ph type="sldImg" idx="2"/>
+          </p:nvPr>
+        </p:nvSpPr>
+        <p:spPr>
+          <a:xfrm>
+            <a:off x="685800" y="1143000"/>
+            <a:ext cx="5486400" cy="3086100"/>
+          </a:xfrm>
+          <a:prstGeom prst="rect">
+            <a:avLst/>
+          </a:prstGeom>
+          <a:noFill/>
+          <a:ln w="12700">
+            <a:solidFill>
+              <a:prstClr val="black"/>
+            </a:solidFill>
+          </a:ln>
+        </p:spPr>
+        <p:txBody>
+          <a:bodyPr vert="horz" lIns="91440" tIns="45720" rIns="91440" bIns="45720" rtlCol="0" anchor="ctr"/>
+          <a:lstStyle/>
+          <a:p>
+            <a:endParaRPr lang="zh-CN" altLang="en-US"/>
+          </a:p>
+        </p:txBody>
+      </p:sp>
+      <p:sp>
+        <p:nvSpPr>
+          <p:cNvPr id="5" name="备注占位符 4"/>
+          <p:cNvSpPr>
+            <a:spLocks noGrp="1"/>
+          </p:cNvSpPr>
+          <p:nvPr>
+            <p:ph type="body" sz="quarter" idx="3"/>
+          </p:nvPr>
+        </p:nvSpPr>
+        <p:spPr>
+          <a:xfrm>
+            <a:off x="685800" y="4400550"/>
+            <a:ext cx="5486400" cy="3600450"/>
+          </a:xfrm>
+          <a:prstGeom prst="rect">
+            <a:avLst/>
+          </a:prstGeom>
+        </p:spPr>
+        <p:txBody>
+          <a:bodyPr vert="horz" lIns="91440" tIns="45720" rIns="91440" bIns="45720" rtlCol="0"/>
+          <a:lstStyle/>
+          <a:p>
+            <a:pPr lvl="0"/>
+            <a:r>
+              <a:rPr lang="zh-CN" altLang="en-US"/>
+              <a:t>编辑母版文本样式</a:t>
+            </a:r>
+          </a:p>
+          <a:p>
+            <a:pPr lvl="1"/>
+            <a:r>
+              <a:rPr lang="zh-CN" altLang="en-US"/>
+              <a:t>第二级</a:t>
+            </a:r>
+          </a:p>
+          <a:p>
+            <a:pPr lvl="2"/>
+            <a:r>
+              <a:rPr lang="zh-CN" altLang="en-US"/>
+              <a:t>第三级</a:t>
+            </a:r>
+          </a:p>
+          <a:p>
+            <a:pPr lvl="3"/>
+            <a:r>
+              <a:rPr lang="zh-CN" altLang="en-US"/>
+              <a:t>第四级</a:t>
+            </a:r>
+          </a:p>
+          <a:p>
+            <a:pPr lvl="4"/>
+            <a:r>
+              <a:rPr lang="zh-CN" altLang="en-US"/>
+              <a:t>第五级</a:t>
+            </a:r>
+          </a:p>
+        </p:txBody>
+      </p:sp>
+      <p:sp>
+        <p:nvSpPr>
+          <p:cNvPr id="6" name="页脚占位符 5"/>
+          <p:cNvSpPr>
+            <a:spLocks noGrp="1"/>
+          </p:cNvSpPr>
+          <p:nvPr>
+            <p:ph type="ftr" sz="quarter" idx="4"/>
+          </p:nvPr>
+        </p:nvSpPr>
+        <p:spPr>
+          <a:xfrm>
+            <a:off x="0" y="8685213"/>
+            <a:ext cx="2971800" cy="458787"/>
+          </a:xfrm>
+          <a:prstGeom prst="rect">
+            <a:avLst/>
+          </a:prstGeom>
+        </p:spPr>
+        <p:txBody>
+          <a:bodyPr vert="horz" lIns="91440" tIns="45720" rIns="91440" bIns="45720" rtlCol="0" anchor="b"/>
+          <a:lstStyle>
+            <a:lvl1pPr algn="l">
+              <a:defRPr sz="1200"/>
+            </a:lvl1pPr>
+          </a:lstStyle>
+          <a:p>
+            <a:endParaRPr lang="zh-CN" altLang="en-US"/>
+          </a:p>
+        </p:txBody>
+      </p:sp>
+      <p:sp>
+        <p:nvSpPr>
+          <p:cNvPr id="7" name="灯片编号占位符 6"/>
+          <p:cNvSpPr>
+            <a:spLocks noGrp="1"/>
+          </p:cNvSpPr>
+          <p:nvPr>
+            <p:ph type="sldNum" sz="quarter" idx="5"/>
+          </p:nvPr>
+        </p:nvSpPr>
+        <p:spPr>
+          <a:xfrm>
+            <a:off x="3884613" y="8685213"/>
+            <a:ext cx="2971800" cy="458787"/>
+          </a:xfrm>
+          <a:prstGeom prst="rect">
+            <a:avLst/>
+          </a:prstGeom>
+        </p:spPr>
+        <p:txBody>
+          <a:bodyPr vert="horz" lIns="91440" tIns="45720" rIns="91440" bIns="45720" rtlCol="0" anchor="b"/>
+          <a:lstStyle>
+            <a:lvl1pPr algn="r">
+              <a:defRPr sz="1200"/>
+            </a:lvl1pPr>
+          </a:lstStyle>
+          <a:p>
+            <a:fld id="{44D423DC-C89E-4F30-A9C6-8C8929444DF1}" type="slidenum">
+              <a:rPr lang="zh-CN" altLang="en-US" smtClean="0"/>
+              <a:t>‹#›</a:t>
+            </a:fld>
+            <a:endParaRPr lang="zh-CN" altLang="en-US"/>
+          </a:p>
+        </p:txBody>
+      </p:sp>
+    </p:spTree>
+    <p:extLst>
+      <p:ext uri="{BB962C8B-B14F-4D97-AF65-F5344CB8AC3E}">
+        <p14:creationId xmlns:p14="http://schemas.microsoft.com/office/powerpoint/2010/main" val="1660448808"/>
+      </p:ext>
+    </p:extLst>
+  </p:cSld>
+  <p:clrMap bg1="lt1" tx1="dk1" bg2="lt2" tx2="dk2" accent1="accent1" accent2="accent2" accent3="accent3" accent4="accent4" accent5="accent5" accent6="accent6" hlink="hlink" folHlink="folHlink"/>
+  <p:notesStyle>
+    <a:lvl1pPr marL="0" algn="l" defTabSz="914400" rtl="0" eaLnBrk="1" latinLnBrk="0" hangingPunct="1">
+      <a:defRPr sz="1200" kern="1200">
+        <a:solidFill>
+          <a:schemeClr val="tx1"/>
+        </a:solidFill>
+        <a:latin typeface="+mn-lt"/>
+        <a:ea typeface="+mn-ea"/>
+        <a:cs typeface="+mn-cs"/>
+      </a:defRPr>
+    </a:lvl1pPr>
+    <a:lvl2pPr marL="457200" algn="l" defTabSz="914400" rtl="0" eaLnBrk="1" latinLnBrk="0" hangingPunct="1">
+      <a:defRPr sz="1200" kern="1200">
+        <a:solidFill>
+          <a:schemeClr val="tx1"/>
+        </a:solidFill>
+        <a:latin typeface="+mn-lt"/>
+        <a:ea typeface="+mn-ea"/>
+        <a:cs typeface="+mn-cs"/>
+      </a:defRPr>
+    </a:lvl2pPr>
+    <a:lvl3pPr marL="914400" algn="l" defTabSz="914400" rtl="0" eaLnBrk="1" latinLnBrk="0" hangingPunct="1">
+      <a:defRPr sz="1200" kern="1200">
+        <a:solidFill>
+          <a:schemeClr val="tx1"/>
+        </a:solidFill>
+        <a:latin typeface="+mn-lt"/>
+        <a:ea typeface="+mn-ea"/>
+        <a:cs typeface="+mn-cs"/>
+      </a:defRPr>
+    </a:lvl3pPr>
+    <a:lvl4pPr marL="1371600" algn="l" defTabSz="914400" rtl="0" eaLnBrk="1" latinLnBrk="0" hangingPunct="1">
+      <a:defRPr sz="1200" kern="1200">
+        <a:solidFill>
+          <a:schemeClr val="tx1"/>
+        </a:solidFill>
+        <a:latin typeface="+mn-lt"/>
+        <a:ea typeface="+mn-ea"/>
+        <a:cs typeface="+mn-cs"/>
+      </a:defRPr>
+    </a:lvl4pPr>
+    <a:lvl5pPr marL="1828800" algn="l" defTabSz="914400" rtl="0" eaLnBrk="1" latinLnBrk="0" hangingPunct="1">
+      <a:defRPr sz="1200" kern="1200">
+        <a:solidFill>
+          <a:schemeClr val="tx1"/>
+        </a:solidFill>
+        <a:latin typeface="+mn-lt"/>
+        <a:ea typeface="+mn-ea"/>
+        <a:cs typeface="+mn-cs"/>
+      </a:defRPr>
+    </a:lvl5pPr>
+    <a:lvl6pPr marL="2286000" algn="l" defTabSz="914400" rtl="0" eaLnBrk="1" latinLnBrk="0" hangingPunct="1">
+      <a:defRPr sz="1200" kern="1200">
+        <a:solidFill>
+          <a:schemeClr val="tx1"/>
+        </a:solidFill>
+        <a:latin typeface="+mn-lt"/>
+        <a:ea typeface="+mn-ea"/>
+        <a:cs typeface="+mn-cs"/>
+      </a:defRPr>
+    </a:lvl6pPr>
+    <a:lvl7pPr marL="2743200" algn="l" defTabSz="914400" rtl="0" eaLnBrk="1" latinLnBrk="0" hangingPunct="1">
+      <a:defRPr sz="1200" kern="1200">
+        <a:solidFill>
+          <a:schemeClr val="tx1"/>
+        </a:solidFill>
+        <a:latin typeface="+mn-lt"/>
+        <a:ea typeface="+mn-ea"/>
+        <a:cs typeface="+mn-cs"/>
+      </a:defRPr>
+    </a:lvl7pPr>
+    <a:lvl8pPr marL="3200400" algn="l" defTabSz="914400" rtl="0" eaLnBrk="1" latinLnBrk="0" hangingPunct="1">
+      <a:defRPr sz="1200" kern="1200">
+        <a:solidFill>
+          <a:schemeClr val="tx1"/>
+        </a:solidFill>
+        <a:latin typeface="+mn-lt"/>
+        <a:ea typeface="+mn-ea"/>
+        <a:cs typeface="+mn-cs"/>
+      </a:defRPr>
+    </a:lvl8pPr>
+    <a:lvl9pPr marL="3657600" algn="l" defTabSz="914400" rtl="0" eaLnBrk="1" latinLnBrk="0" hangingPunct="1">
+      <a:defRPr sz="1200" kern="1200">
+        <a:solidFill>
+          <a:schemeClr val="tx1"/>
+        </a:solidFill>
+        <a:latin typeface="+mn-lt"/>
+        <a:ea typeface="+mn-ea"/>
+        <a:cs typeface="+mn-cs"/>
+      </a:defRPr>
+    </a:lvl9pPr>
+  </p:notesStyle>
+</p:notesMaster>
+</file>
+
+<file path=ppt/notesSlides/notesSlide1.xml><?xml version="1.0" encoding="utf-8"?>
+<p:notes xmlns:a="http://schemas.openxmlformats.org/drawingml/2006/main" xmlns:r="http://schemas.openxmlformats.org/officeDocument/2006/relationships" xmlns:p="http://schemas.openxmlformats.org/presentationml/2006/main">
+  <p:cSld>
+    <p:spTree>
+      <p:nvGrpSpPr>
+        <p:cNvPr id="1" name=""/>
+        <p:cNvGrpSpPr/>
+        <p:nvPr/>
+      </p:nvGrpSpPr>
+      <p:grpSpPr>
+        <a:xfrm>
+          <a:off x="0" y="0"/>
+          <a:ext cx="0" cy="0"/>
+          <a:chOff x="0" y="0"/>
+          <a:chExt cx="0" cy="0"/>
+        </a:xfrm>
+      </p:grpSpPr>
+      <p:sp>
+        <p:nvSpPr>
+          <p:cNvPr id="2" name="幻灯片图像占位符 1"/>
+          <p:cNvSpPr>
+            <a:spLocks noGrp="1" noRot="1" noChangeAspect="1"/>
+          </p:cNvSpPr>
+          <p:nvPr>
+            <p:ph type="sldImg"/>
+          </p:nvPr>
+        </p:nvSpPr>
+        <p:spPr/>
+      </p:sp>
+      <p:sp>
+        <p:nvSpPr>
+          <p:cNvPr id="3" name="备注占位符 2"/>
+          <p:cNvSpPr>
+            <a:spLocks noGrp="1"/>
+          </p:cNvSpPr>
+          <p:nvPr>
+            <p:ph type="body" idx="1"/>
+          </p:nvPr>
+        </p:nvSpPr>
+        <p:spPr/>
+        <p:txBody>
+          <a:bodyPr/>
+          <a:lstStyle/>
+          <a:p>
+            <a:r>
+              <a:rPr lang="zh-CN" altLang="en-US" dirty="0"/>
+              <a:t>老师好，我是王俊。</a:t>
+            </a:r>
+          </a:p>
+        </p:txBody>
+      </p:sp>
+      <p:sp>
+        <p:nvSpPr>
+          <p:cNvPr id="4" name="灯片编号占位符 3"/>
+          <p:cNvSpPr>
+            <a:spLocks noGrp="1"/>
+          </p:cNvSpPr>
+          <p:nvPr>
+            <p:ph type="sldNum" sz="quarter" idx="10"/>
+          </p:nvPr>
+        </p:nvSpPr>
+        <p:spPr/>
+        <p:txBody>
+          <a:bodyPr/>
+          <a:lstStyle/>
+          <a:p>
+            <a:fld id="{44D423DC-C89E-4F30-A9C6-8C8929444DF1}" type="slidenum">
+              <a:rPr lang="zh-CN" altLang="en-US" smtClean="0"/>
+              <a:t>1</a:t>
+            </a:fld>
+            <a:endParaRPr lang="zh-CN" altLang="en-US"/>
+          </a:p>
+        </p:txBody>
+      </p:sp>
+    </p:spTree>
+    <p:extLst>
+      <p:ext uri="{BB962C8B-B14F-4D97-AF65-F5344CB8AC3E}">
+        <p14:creationId xmlns:p14="http://schemas.microsoft.com/office/powerpoint/2010/main" val="3489606636"/>
+      </p:ext>
+    </p:extLst>
+  </p:cSld>
+  <p:clrMapOvr>
+    <a:masterClrMapping/>
+  </p:clrMapOvr>
+</p:notes>
+</file>
+
+<file path=ppt/notesSlides/notesSlide10.xml><?xml version="1.0" encoding="utf-8"?>
+<p:notes xmlns:a="http://schemas.openxmlformats.org/drawingml/2006/main" xmlns:r="http://schemas.openxmlformats.org/officeDocument/2006/relationships" xmlns:p="http://schemas.openxmlformats.org/presentationml/2006/main">
+  <p:cSld>
+    <p:spTree>
+      <p:nvGrpSpPr>
+        <p:cNvPr id="1" name=""/>
+        <p:cNvGrpSpPr/>
+        <p:nvPr/>
+      </p:nvGrpSpPr>
+      <p:grpSpPr>
+        <a:xfrm>
+          <a:off x="0" y="0"/>
+          <a:ext cx="0" cy="0"/>
+          <a:chOff x="0" y="0"/>
+          <a:chExt cx="0" cy="0"/>
+        </a:xfrm>
+      </p:grpSpPr>
+      <p:sp>
+        <p:nvSpPr>
+          <p:cNvPr id="2" name="幻灯片图像占位符 1"/>
+          <p:cNvSpPr>
+            <a:spLocks noGrp="1" noRot="1" noChangeAspect="1"/>
+          </p:cNvSpPr>
+          <p:nvPr>
+            <p:ph type="sldImg"/>
+          </p:nvPr>
+        </p:nvSpPr>
+        <p:spPr/>
+      </p:sp>
+      <p:sp>
+        <p:nvSpPr>
+          <p:cNvPr id="3" name="备注占位符 2"/>
+          <p:cNvSpPr>
+            <a:spLocks noGrp="1"/>
+          </p:cNvSpPr>
+          <p:nvPr>
+            <p:ph type="body" idx="1"/>
+          </p:nvPr>
+        </p:nvSpPr>
+        <p:spPr/>
+        <p:txBody>
+          <a:bodyPr/>
+          <a:lstStyle/>
+          <a:p>
+            <a:endParaRPr lang="zh-CN" altLang="en-US" dirty="0"/>
+          </a:p>
+        </p:txBody>
+      </p:sp>
+      <p:sp>
+        <p:nvSpPr>
+          <p:cNvPr id="4" name="灯片编号占位符 3"/>
+          <p:cNvSpPr>
+            <a:spLocks noGrp="1"/>
+          </p:cNvSpPr>
+          <p:nvPr>
+            <p:ph type="sldNum" sz="quarter" idx="10"/>
+          </p:nvPr>
+        </p:nvSpPr>
+        <p:spPr/>
+        <p:txBody>
+          <a:bodyPr/>
+          <a:lstStyle/>
+          <a:p>
+            <a:fld id="{44D423DC-C89E-4F30-A9C6-8C8929444DF1}" type="slidenum">
+              <a:rPr lang="zh-CN" altLang="en-US" smtClean="0"/>
+              <a:t>10</a:t>
+            </a:fld>
+            <a:endParaRPr lang="zh-CN" altLang="en-US"/>
+          </a:p>
+        </p:txBody>
+      </p:sp>
+    </p:spTree>
+    <p:extLst>
+      <p:ext uri="{BB962C8B-B14F-4D97-AF65-F5344CB8AC3E}">
+        <p14:creationId xmlns:p14="http://schemas.microsoft.com/office/powerpoint/2010/main" val="3402045943"/>
+      </p:ext>
+    </p:extLst>
+  </p:cSld>
+  <p:clrMapOvr>
+    <a:masterClrMapping/>
+  </p:clrMapOvr>
+</p:notes>
+</file>
+
+<file path=ppt/notesSlides/notesSlide2.xml><?xml version="1.0" encoding="utf-8"?>
+<p:notes xmlns:a="http://schemas.openxmlformats.org/drawingml/2006/main" xmlns:r="http://schemas.openxmlformats.org/officeDocument/2006/relationships" xmlns:p="http://schemas.openxmlformats.org/presentationml/2006/main">
+  <p:cSld>
+    <p:spTree>
+      <p:nvGrpSpPr>
+        <p:cNvPr id="1" name=""/>
+        <p:cNvGrpSpPr/>
+        <p:nvPr/>
+      </p:nvGrpSpPr>
+      <p:grpSpPr>
+        <a:xfrm>
+          <a:off x="0" y="0"/>
+          <a:ext cx="0" cy="0"/>
+          <a:chOff x="0" y="0"/>
+          <a:chExt cx="0" cy="0"/>
+        </a:xfrm>
+      </p:grpSpPr>
+      <p:sp>
+        <p:nvSpPr>
+          <p:cNvPr id="2" name="幻灯片图像占位符 1"/>
+          <p:cNvSpPr>
+            <a:spLocks noGrp="1" noRot="1" noChangeAspect="1"/>
+          </p:cNvSpPr>
+          <p:nvPr>
+            <p:ph type="sldImg"/>
+          </p:nvPr>
+        </p:nvSpPr>
+        <p:spPr/>
+      </p:sp>
+      <p:sp>
+        <p:nvSpPr>
+          <p:cNvPr id="3" name="备注占位符 2"/>
+          <p:cNvSpPr>
+            <a:spLocks noGrp="1"/>
+          </p:cNvSpPr>
+          <p:nvPr>
+            <p:ph type="body" idx="1"/>
+          </p:nvPr>
+        </p:nvSpPr>
+        <p:spPr/>
+        <p:txBody>
+          <a:bodyPr/>
+          <a:lstStyle/>
+          <a:p>
+            <a:endParaRPr lang="zh-CN" altLang="en-US" dirty="0"/>
+          </a:p>
+        </p:txBody>
+      </p:sp>
+      <p:sp>
+        <p:nvSpPr>
+          <p:cNvPr id="4" name="灯片编号占位符 3"/>
+          <p:cNvSpPr>
+            <a:spLocks noGrp="1"/>
+          </p:cNvSpPr>
+          <p:nvPr>
+            <p:ph type="sldNum" sz="quarter" idx="10"/>
+          </p:nvPr>
+        </p:nvSpPr>
+        <p:spPr/>
+        <p:txBody>
+          <a:bodyPr/>
+          <a:lstStyle/>
+          <a:p>
+            <a:fld id="{44D423DC-C89E-4F30-A9C6-8C8929444DF1}" type="slidenum">
+              <a:rPr lang="zh-CN" altLang="en-US" smtClean="0"/>
+              <a:t>2</a:t>
+            </a:fld>
+            <a:endParaRPr lang="zh-CN" altLang="en-US"/>
+          </a:p>
+        </p:txBody>
+      </p:sp>
+    </p:spTree>
+    <p:extLst>
+      <p:ext uri="{BB962C8B-B14F-4D97-AF65-F5344CB8AC3E}">
+        <p14:creationId xmlns:p14="http://schemas.microsoft.com/office/powerpoint/2010/main" val="1030784337"/>
+      </p:ext>
+    </p:extLst>
+  </p:cSld>
+  <p:clrMapOvr>
+    <a:masterClrMapping/>
+  </p:clrMapOvr>
+</p:notes>
+</file>
+
+<file path=ppt/notesSlides/notesSlide3.xml><?xml version="1.0" encoding="utf-8"?>
+<p:notes xmlns:a="http://schemas.openxmlformats.org/drawingml/2006/main" xmlns:r="http://schemas.openxmlformats.org/officeDocument/2006/relationships" xmlns:p="http://schemas.openxmlformats.org/presentationml/2006/main">
+  <p:cSld>
+    <p:spTree>
+      <p:nvGrpSpPr>
+        <p:cNvPr id="1" name=""/>
+        <p:cNvGrpSpPr/>
+        <p:nvPr/>
+      </p:nvGrpSpPr>
+      <p:grpSpPr>
+        <a:xfrm>
+          <a:off x="0" y="0"/>
+          <a:ext cx="0" cy="0"/>
+          <a:chOff x="0" y="0"/>
+          <a:chExt cx="0" cy="0"/>
+        </a:xfrm>
+      </p:grpSpPr>
+      <p:sp>
+        <p:nvSpPr>
+          <p:cNvPr id="2" name="幻灯片图像占位符 1"/>
+          <p:cNvSpPr>
+            <a:spLocks noGrp="1" noRot="1" noChangeAspect="1"/>
+          </p:cNvSpPr>
+          <p:nvPr>
+            <p:ph type="sldImg"/>
+          </p:nvPr>
+        </p:nvSpPr>
+        <p:spPr/>
+      </p:sp>
+      <p:sp>
+        <p:nvSpPr>
+          <p:cNvPr id="3" name="备注占位符 2"/>
+          <p:cNvSpPr>
+            <a:spLocks noGrp="1"/>
+          </p:cNvSpPr>
+          <p:nvPr>
+            <p:ph type="body" idx="1"/>
+          </p:nvPr>
+        </p:nvSpPr>
+        <p:spPr/>
+        <p:txBody>
+          <a:bodyPr/>
+          <a:lstStyle/>
+          <a:p>
+            <a:endParaRPr lang="zh-CN" altLang="en-US" dirty="0"/>
+          </a:p>
+        </p:txBody>
+      </p:sp>
+      <p:sp>
+        <p:nvSpPr>
+          <p:cNvPr id="4" name="灯片编号占位符 3"/>
+          <p:cNvSpPr>
+            <a:spLocks noGrp="1"/>
+          </p:cNvSpPr>
+          <p:nvPr>
+            <p:ph type="sldNum" sz="quarter" idx="10"/>
+          </p:nvPr>
+        </p:nvSpPr>
+        <p:spPr/>
+        <p:txBody>
+          <a:bodyPr/>
+          <a:lstStyle/>
+          <a:p>
+            <a:fld id="{44D423DC-C89E-4F30-A9C6-8C8929444DF1}" type="slidenum">
+              <a:rPr lang="zh-CN" altLang="en-US" smtClean="0"/>
+              <a:t>3</a:t>
+            </a:fld>
+            <a:endParaRPr lang="zh-CN" altLang="en-US"/>
+          </a:p>
+        </p:txBody>
+      </p:sp>
+    </p:spTree>
+    <p:extLst>
+      <p:ext uri="{BB962C8B-B14F-4D97-AF65-F5344CB8AC3E}">
+        <p14:creationId xmlns:p14="http://schemas.microsoft.com/office/powerpoint/2010/main" val="2295846201"/>
+      </p:ext>
+    </p:extLst>
+  </p:cSld>
+  <p:clrMapOvr>
+    <a:masterClrMapping/>
+  </p:clrMapOvr>
+</p:notes>
+</file>
+
+<file path=ppt/notesSlides/notesSlide4.xml><?xml version="1.0" encoding="utf-8"?>
+<p:notes xmlns:a="http://schemas.openxmlformats.org/drawingml/2006/main" xmlns:r="http://schemas.openxmlformats.org/officeDocument/2006/relationships" xmlns:p="http://schemas.openxmlformats.org/presentationml/2006/main">
+  <p:cSld>
+    <p:spTree>
+      <p:nvGrpSpPr>
+        <p:cNvPr id="1" name=""/>
+        <p:cNvGrpSpPr/>
+        <p:nvPr/>
+      </p:nvGrpSpPr>
+      <p:grpSpPr>
+        <a:xfrm>
+          <a:off x="0" y="0"/>
+          <a:ext cx="0" cy="0"/>
+          <a:chOff x="0" y="0"/>
+          <a:chExt cx="0" cy="0"/>
+        </a:xfrm>
+      </p:grpSpPr>
+      <p:sp>
+        <p:nvSpPr>
+          <p:cNvPr id="2" name="幻灯片图像占位符 1"/>
+          <p:cNvSpPr>
+            <a:spLocks noGrp="1" noRot="1" noChangeAspect="1"/>
+          </p:cNvSpPr>
+          <p:nvPr>
+            <p:ph type="sldImg"/>
+          </p:nvPr>
+        </p:nvSpPr>
+        <p:spPr/>
+      </p:sp>
+      <p:sp>
+        <p:nvSpPr>
+          <p:cNvPr id="3" name="备注占位符 2"/>
+          <p:cNvSpPr>
+            <a:spLocks noGrp="1"/>
+          </p:cNvSpPr>
+          <p:nvPr>
+            <p:ph type="body" idx="1"/>
+          </p:nvPr>
+        </p:nvSpPr>
+        <p:spPr/>
+        <p:txBody>
+          <a:bodyPr/>
+          <a:lstStyle/>
+          <a:p>
+            <a:r>
+              <a:rPr lang="zh-CN" altLang="en-US" dirty="0"/>
+              <a:t>本游戏的技术路径分为两方面，一方面是</a:t>
+            </a:r>
+            <a:r>
+              <a:rPr lang="en-US" altLang="zh-CN" dirty="0"/>
+              <a:t>Kinect</a:t>
+            </a:r>
+            <a:r>
+              <a:rPr lang="zh-CN" altLang="en-US" dirty="0"/>
+              <a:t>设备，通过学习</a:t>
+            </a:r>
+            <a:r>
+              <a:rPr lang="en-US" altLang="zh-CN" dirty="0"/>
+              <a:t>Kinect</a:t>
+            </a:r>
+            <a:r>
+              <a:rPr lang="zh-CN" altLang="en-US" dirty="0"/>
+              <a:t>技术文档，和使用微软官方的</a:t>
+            </a:r>
+            <a:r>
+              <a:rPr lang="en-US" altLang="zh-CN" dirty="0"/>
+              <a:t>Kinect SDK</a:t>
+            </a:r>
+            <a:r>
+              <a:rPr lang="zh-CN" altLang="en-US" dirty="0"/>
+              <a:t>和</a:t>
+            </a:r>
+            <a:r>
+              <a:rPr lang="en-US" altLang="zh-CN" dirty="0"/>
+              <a:t>Kinect Wrapper</a:t>
+            </a:r>
+            <a:r>
+              <a:rPr lang="zh-CN" altLang="en-US" dirty="0"/>
+              <a:t>开发中间件，将</a:t>
+            </a:r>
+            <a:r>
+              <a:rPr lang="en-US" altLang="zh-CN" dirty="0"/>
+              <a:t>Kinect</a:t>
+            </a:r>
+            <a:r>
+              <a:rPr lang="zh-CN" altLang="en-US" dirty="0"/>
+              <a:t>设备得深度摄像头获取到的人体骨骼数据和深度数据传输到</a:t>
+            </a:r>
+            <a:r>
+              <a:rPr lang="en-US" altLang="zh-CN" dirty="0"/>
+              <a:t>Unity3D</a:t>
+            </a:r>
+            <a:r>
+              <a:rPr lang="zh-CN" altLang="en-US" dirty="0"/>
+              <a:t>中，达到控制人物模型的目的，在游戏中我是用</a:t>
+            </a:r>
+            <a:r>
+              <a:rPr lang="en-US" altLang="zh-CN" dirty="0"/>
+              <a:t>C#</a:t>
+            </a:r>
+            <a:r>
+              <a:rPr lang="zh-CN" altLang="en-US" dirty="0"/>
+              <a:t>语言来编写游戏逻辑。</a:t>
+            </a:r>
+          </a:p>
+        </p:txBody>
+      </p:sp>
+      <p:sp>
+        <p:nvSpPr>
+          <p:cNvPr id="4" name="灯片编号占位符 3"/>
+          <p:cNvSpPr>
+            <a:spLocks noGrp="1"/>
+          </p:cNvSpPr>
+          <p:nvPr>
+            <p:ph type="sldNum" sz="quarter" idx="10"/>
+          </p:nvPr>
+        </p:nvSpPr>
+        <p:spPr/>
+        <p:txBody>
+          <a:bodyPr/>
+          <a:lstStyle/>
+          <a:p>
+            <a:fld id="{44D423DC-C89E-4F30-A9C6-8C8929444DF1}" type="slidenum">
+              <a:rPr lang="zh-CN" altLang="en-US" smtClean="0"/>
+              <a:t>4</a:t>
+            </a:fld>
+            <a:endParaRPr lang="zh-CN" altLang="en-US"/>
+          </a:p>
+        </p:txBody>
+      </p:sp>
+    </p:spTree>
+    <p:extLst>
+      <p:ext uri="{BB962C8B-B14F-4D97-AF65-F5344CB8AC3E}">
+        <p14:creationId xmlns:p14="http://schemas.microsoft.com/office/powerpoint/2010/main" val="3495758784"/>
+      </p:ext>
+    </p:extLst>
+  </p:cSld>
+  <p:clrMapOvr>
+    <a:masterClrMapping/>
+  </p:clrMapOvr>
+</p:notes>
+</file>
+
+<file path=ppt/notesSlides/notesSlide5.xml><?xml version="1.0" encoding="utf-8"?>
+<p:notes xmlns:a="http://schemas.openxmlformats.org/drawingml/2006/main" xmlns:r="http://schemas.openxmlformats.org/officeDocument/2006/relationships" xmlns:p="http://schemas.openxmlformats.org/presentationml/2006/main">
+  <p:cSld>
+    <p:spTree>
+      <p:nvGrpSpPr>
+        <p:cNvPr id="1" name=""/>
+        <p:cNvGrpSpPr/>
+        <p:nvPr/>
+      </p:nvGrpSpPr>
+      <p:grpSpPr>
+        <a:xfrm>
+          <a:off x="0" y="0"/>
+          <a:ext cx="0" cy="0"/>
+          <a:chOff x="0" y="0"/>
+          <a:chExt cx="0" cy="0"/>
+        </a:xfrm>
+      </p:grpSpPr>
+      <p:sp>
+        <p:nvSpPr>
+          <p:cNvPr id="2" name="幻灯片图像占位符 1"/>
+          <p:cNvSpPr>
+            <a:spLocks noGrp="1" noRot="1" noChangeAspect="1"/>
+          </p:cNvSpPr>
+          <p:nvPr>
+            <p:ph type="sldImg"/>
+          </p:nvPr>
+        </p:nvSpPr>
+        <p:spPr/>
+      </p:sp>
+      <p:sp>
+        <p:nvSpPr>
+          <p:cNvPr id="3" name="备注占位符 2"/>
+          <p:cNvSpPr>
+            <a:spLocks noGrp="1"/>
+          </p:cNvSpPr>
+          <p:nvPr>
+            <p:ph type="body" idx="1"/>
+          </p:nvPr>
+        </p:nvSpPr>
+        <p:spPr/>
+        <p:txBody>
+          <a:bodyPr/>
+          <a:lstStyle/>
+          <a:p>
+            <a:r>
+              <a:rPr lang="zh-CN" altLang="en-US" dirty="0"/>
+              <a:t>本文主要的功能模块有，游戏场景管理，选关，下一关，重玩本关，</a:t>
+            </a:r>
+            <a:r>
+              <a:rPr lang="en-US" altLang="zh-CN" dirty="0"/>
+              <a:t>UI</a:t>
+            </a:r>
+            <a:r>
+              <a:rPr lang="zh-CN" altLang="en-US" dirty="0"/>
+              <a:t>模块包括，主界面，开始游戏，游戏胜利</a:t>
+            </a:r>
+            <a:r>
+              <a:rPr lang="en-US" altLang="zh-CN" dirty="0"/>
+              <a:t>/</a:t>
+            </a:r>
+            <a:r>
+              <a:rPr lang="zh-CN" altLang="en-US" dirty="0"/>
+              <a:t>失败，选关界面，</a:t>
+            </a:r>
+            <a:r>
+              <a:rPr lang="en-US" altLang="zh-CN" dirty="0"/>
+              <a:t>Kinect</a:t>
+            </a:r>
+            <a:r>
+              <a:rPr lang="zh-CN" altLang="en-US" dirty="0"/>
+              <a:t>数据模块，主要功能是获取</a:t>
+            </a:r>
+            <a:r>
+              <a:rPr lang="en-US" altLang="zh-CN" dirty="0"/>
+              <a:t>Kinect</a:t>
+            </a:r>
+            <a:r>
+              <a:rPr lang="zh-CN" altLang="en-US" dirty="0"/>
+              <a:t>设备深度摄像头的数据流，与</a:t>
+            </a:r>
+            <a:r>
+              <a:rPr lang="en-US" altLang="zh-CN" dirty="0"/>
+              <a:t>Unity</a:t>
+            </a:r>
+            <a:r>
+              <a:rPr lang="zh-CN" altLang="en-US" dirty="0"/>
+              <a:t>的骨骼进行映射。声音模块，资源模块</a:t>
+            </a:r>
+          </a:p>
+        </p:txBody>
+      </p:sp>
+      <p:sp>
+        <p:nvSpPr>
+          <p:cNvPr id="4" name="灯片编号占位符 3"/>
+          <p:cNvSpPr>
+            <a:spLocks noGrp="1"/>
+          </p:cNvSpPr>
+          <p:nvPr>
+            <p:ph type="sldNum" sz="quarter" idx="10"/>
+          </p:nvPr>
+        </p:nvSpPr>
+        <p:spPr/>
+        <p:txBody>
+          <a:bodyPr/>
+          <a:lstStyle/>
+          <a:p>
+            <a:fld id="{44D423DC-C89E-4F30-A9C6-8C8929444DF1}" type="slidenum">
+              <a:rPr lang="zh-CN" altLang="en-US" smtClean="0"/>
+              <a:t>5</a:t>
+            </a:fld>
+            <a:endParaRPr lang="zh-CN" altLang="en-US"/>
+          </a:p>
+        </p:txBody>
+      </p:sp>
+    </p:spTree>
+    <p:extLst>
+      <p:ext uri="{BB962C8B-B14F-4D97-AF65-F5344CB8AC3E}">
+        <p14:creationId xmlns:p14="http://schemas.microsoft.com/office/powerpoint/2010/main" val="708483309"/>
+      </p:ext>
+    </p:extLst>
+  </p:cSld>
+  <p:clrMapOvr>
+    <a:masterClrMapping/>
+  </p:clrMapOvr>
+</p:notes>
+</file>
+
+<file path=ppt/notesSlides/notesSlide6.xml><?xml version="1.0" encoding="utf-8"?>
+<p:notes xmlns:a="http://schemas.openxmlformats.org/drawingml/2006/main" xmlns:r="http://schemas.openxmlformats.org/officeDocument/2006/relationships" xmlns:p="http://schemas.openxmlformats.org/presentationml/2006/main">
+  <p:cSld>
+    <p:spTree>
+      <p:nvGrpSpPr>
+        <p:cNvPr id="1" name=""/>
+        <p:cNvGrpSpPr/>
+        <p:nvPr/>
+      </p:nvGrpSpPr>
+      <p:grpSpPr>
+        <a:xfrm>
+          <a:off x="0" y="0"/>
+          <a:ext cx="0" cy="0"/>
+          <a:chOff x="0" y="0"/>
+          <a:chExt cx="0" cy="0"/>
+        </a:xfrm>
+      </p:grpSpPr>
+      <p:sp>
+        <p:nvSpPr>
+          <p:cNvPr id="2" name="幻灯片图像占位符 1"/>
+          <p:cNvSpPr>
+            <a:spLocks noGrp="1" noRot="1" noChangeAspect="1"/>
+          </p:cNvSpPr>
+          <p:nvPr>
+            <p:ph type="sldImg"/>
+          </p:nvPr>
+        </p:nvSpPr>
+        <p:spPr/>
+      </p:sp>
+      <p:sp>
+        <p:nvSpPr>
+          <p:cNvPr id="3" name="备注占位符 2"/>
+          <p:cNvSpPr>
+            <a:spLocks noGrp="1"/>
+          </p:cNvSpPr>
+          <p:nvPr>
+            <p:ph type="body" idx="1"/>
+          </p:nvPr>
+        </p:nvSpPr>
+        <p:spPr/>
+        <p:txBody>
+          <a:bodyPr/>
+          <a:lstStyle/>
+          <a:p>
+            <a:r>
+              <a:rPr lang="en-US" altLang="zh-CN" dirty="0"/>
+              <a:t>UI</a:t>
+            </a:r>
+            <a:r>
+              <a:rPr lang="zh-CN" altLang="en-US" dirty="0"/>
+              <a:t>模块使用的是</a:t>
+            </a:r>
+            <a:r>
+              <a:rPr lang="en-US" altLang="zh-CN" dirty="0"/>
+              <a:t>Unity3D</a:t>
+            </a:r>
+            <a:r>
+              <a:rPr lang="zh-CN" altLang="en-US" dirty="0"/>
+              <a:t>自带的</a:t>
+            </a:r>
+            <a:r>
+              <a:rPr lang="en-US" altLang="zh-CN" dirty="0"/>
+              <a:t>UGUI</a:t>
+            </a:r>
+            <a:r>
+              <a:rPr lang="zh-CN" altLang="en-US" dirty="0"/>
+              <a:t>，</a:t>
+            </a:r>
+            <a:r>
+              <a:rPr lang="en-US" altLang="zh-CN" dirty="0"/>
+              <a:t>Kinect</a:t>
+            </a:r>
+            <a:r>
+              <a:rPr lang="zh-CN" altLang="en-US" dirty="0"/>
+              <a:t>选用微软官方发布的</a:t>
+            </a:r>
+            <a:r>
+              <a:rPr lang="en-US" altLang="zh-CN" dirty="0"/>
+              <a:t>Kinect Wrapper</a:t>
+            </a:r>
+            <a:r>
+              <a:rPr lang="zh-CN" altLang="en-US" dirty="0"/>
+              <a:t>开发中间件</a:t>
+            </a:r>
+          </a:p>
+        </p:txBody>
+      </p:sp>
+      <p:sp>
+        <p:nvSpPr>
+          <p:cNvPr id="4" name="灯片编号占位符 3"/>
+          <p:cNvSpPr>
+            <a:spLocks noGrp="1"/>
+          </p:cNvSpPr>
+          <p:nvPr>
+            <p:ph type="sldNum" sz="quarter" idx="10"/>
+          </p:nvPr>
+        </p:nvSpPr>
+        <p:spPr/>
+        <p:txBody>
+          <a:bodyPr/>
+          <a:lstStyle/>
+          <a:p>
+            <a:fld id="{44D423DC-C89E-4F30-A9C6-8C8929444DF1}" type="slidenum">
+              <a:rPr lang="zh-CN" altLang="en-US" smtClean="0"/>
+              <a:t>6</a:t>
+            </a:fld>
+            <a:endParaRPr lang="zh-CN" altLang="en-US"/>
+          </a:p>
+        </p:txBody>
+      </p:sp>
+    </p:spTree>
+    <p:extLst>
+      <p:ext uri="{BB962C8B-B14F-4D97-AF65-F5344CB8AC3E}">
+        <p14:creationId xmlns:p14="http://schemas.microsoft.com/office/powerpoint/2010/main" val="4280727759"/>
+      </p:ext>
+    </p:extLst>
+  </p:cSld>
+  <p:clrMapOvr>
+    <a:masterClrMapping/>
+  </p:clrMapOvr>
+</p:notes>
+</file>
+
+<file path=ppt/notesSlides/notesSlide7.xml><?xml version="1.0" encoding="utf-8"?>
+<p:notes xmlns:a="http://schemas.openxmlformats.org/drawingml/2006/main" xmlns:r="http://schemas.openxmlformats.org/officeDocument/2006/relationships" xmlns:p="http://schemas.openxmlformats.org/presentationml/2006/main">
+  <p:cSld>
+    <p:spTree>
+      <p:nvGrpSpPr>
+        <p:cNvPr id="1" name=""/>
+        <p:cNvGrpSpPr/>
+        <p:nvPr/>
+      </p:nvGrpSpPr>
+      <p:grpSpPr>
+        <a:xfrm>
+          <a:off x="0" y="0"/>
+          <a:ext cx="0" cy="0"/>
+          <a:chOff x="0" y="0"/>
+          <a:chExt cx="0" cy="0"/>
+        </a:xfrm>
+      </p:grpSpPr>
+      <p:sp>
+        <p:nvSpPr>
+          <p:cNvPr id="2" name="幻灯片图像占位符 1"/>
+          <p:cNvSpPr>
+            <a:spLocks noGrp="1" noRot="1" noChangeAspect="1"/>
+          </p:cNvSpPr>
+          <p:nvPr>
+            <p:ph type="sldImg"/>
+          </p:nvPr>
+        </p:nvSpPr>
+        <p:spPr/>
+      </p:sp>
+      <p:sp>
+        <p:nvSpPr>
+          <p:cNvPr id="3" name="备注占位符 2"/>
+          <p:cNvSpPr>
+            <a:spLocks noGrp="1"/>
+          </p:cNvSpPr>
+          <p:nvPr>
+            <p:ph type="body" idx="1"/>
+          </p:nvPr>
+        </p:nvSpPr>
+        <p:spPr/>
+        <p:txBody>
+          <a:bodyPr/>
+          <a:lstStyle/>
+          <a:p>
+            <a:r>
+              <a:rPr lang="zh-CN" altLang="en-US" dirty="0"/>
+              <a:t>主要游戏逻辑，开始游戏，选择关卡，进入游戏场景，进行游戏，玩家通过移动，躲避正前方的炮台发射出来的球，当被球击中，玩家会掉血，掉血</a:t>
+            </a:r>
+            <a:r>
+              <a:rPr lang="en-US" altLang="zh-CN" dirty="0"/>
+              <a:t>3</a:t>
+            </a:r>
+            <a:r>
+              <a:rPr lang="zh-CN" altLang="en-US" dirty="0"/>
+              <a:t>次游戏结束，在一回合内还剩有血量的话则游戏胜利，可以选择进入下一关，或者重玩本关。</a:t>
+            </a:r>
+          </a:p>
+        </p:txBody>
+      </p:sp>
+      <p:sp>
+        <p:nvSpPr>
+          <p:cNvPr id="4" name="灯片编号占位符 3"/>
+          <p:cNvSpPr>
+            <a:spLocks noGrp="1"/>
+          </p:cNvSpPr>
+          <p:nvPr>
+            <p:ph type="sldNum" sz="quarter" idx="10"/>
+          </p:nvPr>
+        </p:nvSpPr>
+        <p:spPr/>
+        <p:txBody>
+          <a:bodyPr/>
+          <a:lstStyle/>
+          <a:p>
+            <a:fld id="{44D423DC-C89E-4F30-A9C6-8C8929444DF1}" type="slidenum">
+              <a:rPr lang="zh-CN" altLang="en-US" smtClean="0"/>
+              <a:t>7</a:t>
+            </a:fld>
+            <a:endParaRPr lang="zh-CN" altLang="en-US"/>
+          </a:p>
+        </p:txBody>
+      </p:sp>
+    </p:spTree>
+    <p:extLst>
+      <p:ext uri="{BB962C8B-B14F-4D97-AF65-F5344CB8AC3E}">
+        <p14:creationId xmlns:p14="http://schemas.microsoft.com/office/powerpoint/2010/main" val="1179228472"/>
+      </p:ext>
+    </p:extLst>
+  </p:cSld>
+  <p:clrMapOvr>
+    <a:masterClrMapping/>
+  </p:clrMapOvr>
+</p:notes>
+</file>
+
+<file path=ppt/notesSlides/notesSlide8.xml><?xml version="1.0" encoding="utf-8"?>
+<p:notes xmlns:a="http://schemas.openxmlformats.org/drawingml/2006/main" xmlns:r="http://schemas.openxmlformats.org/officeDocument/2006/relationships" xmlns:p="http://schemas.openxmlformats.org/presentationml/2006/main">
+  <p:cSld>
+    <p:spTree>
+      <p:nvGrpSpPr>
+        <p:cNvPr id="1" name=""/>
+        <p:cNvGrpSpPr/>
+        <p:nvPr/>
+      </p:nvGrpSpPr>
+      <p:grpSpPr>
+        <a:xfrm>
+          <a:off x="0" y="0"/>
+          <a:ext cx="0" cy="0"/>
+          <a:chOff x="0" y="0"/>
+          <a:chExt cx="0" cy="0"/>
+        </a:xfrm>
+      </p:grpSpPr>
+      <p:sp>
+        <p:nvSpPr>
+          <p:cNvPr id="2" name="幻灯片图像占位符 1"/>
+          <p:cNvSpPr>
+            <a:spLocks noGrp="1" noRot="1" noChangeAspect="1"/>
+          </p:cNvSpPr>
+          <p:nvPr>
+            <p:ph type="sldImg"/>
+          </p:nvPr>
+        </p:nvSpPr>
+        <p:spPr/>
+      </p:sp>
+      <p:sp>
+        <p:nvSpPr>
+          <p:cNvPr id="3" name="备注占位符 2"/>
+          <p:cNvSpPr>
+            <a:spLocks noGrp="1"/>
+          </p:cNvSpPr>
+          <p:nvPr>
+            <p:ph type="body" idx="1"/>
+          </p:nvPr>
+        </p:nvSpPr>
+        <p:spPr/>
+        <p:txBody>
+          <a:bodyPr/>
+          <a:lstStyle/>
+          <a:p>
+            <a:r>
+              <a:rPr lang="zh-CN" altLang="en-US" dirty="0"/>
+              <a:t>游戏视频展示</a:t>
+            </a:r>
+          </a:p>
+        </p:txBody>
+      </p:sp>
+      <p:sp>
+        <p:nvSpPr>
+          <p:cNvPr id="4" name="灯片编号占位符 3"/>
+          <p:cNvSpPr>
+            <a:spLocks noGrp="1"/>
+          </p:cNvSpPr>
+          <p:nvPr>
+            <p:ph type="sldNum" sz="quarter" idx="10"/>
+          </p:nvPr>
+        </p:nvSpPr>
+        <p:spPr/>
+        <p:txBody>
+          <a:bodyPr/>
+          <a:lstStyle/>
+          <a:p>
+            <a:fld id="{44D423DC-C89E-4F30-A9C6-8C8929444DF1}" type="slidenum">
+              <a:rPr lang="zh-CN" altLang="en-US" smtClean="0"/>
+              <a:t>8</a:t>
+            </a:fld>
+            <a:endParaRPr lang="zh-CN" altLang="en-US"/>
+          </a:p>
+        </p:txBody>
+      </p:sp>
+    </p:spTree>
+    <p:extLst>
+      <p:ext uri="{BB962C8B-B14F-4D97-AF65-F5344CB8AC3E}">
+        <p14:creationId xmlns:p14="http://schemas.microsoft.com/office/powerpoint/2010/main" val="4212086479"/>
+      </p:ext>
+    </p:extLst>
+  </p:cSld>
+  <p:clrMapOvr>
+    <a:masterClrMapping/>
+  </p:clrMapOvr>
+</p:notes>
+</file>
+
+<file path=ppt/notesSlides/notesSlide9.xml><?xml version="1.0" encoding="utf-8"?>
+<p:notes xmlns:a="http://schemas.openxmlformats.org/drawingml/2006/main" xmlns:r="http://schemas.openxmlformats.org/officeDocument/2006/relationships" xmlns:p="http://schemas.openxmlformats.org/presentationml/2006/main">
+  <p:cSld>
+    <p:spTree>
+      <p:nvGrpSpPr>
+        <p:cNvPr id="1" name=""/>
+        <p:cNvGrpSpPr/>
+        <p:nvPr/>
+      </p:nvGrpSpPr>
+      <p:grpSpPr>
+        <a:xfrm>
+          <a:off x="0" y="0"/>
+          <a:ext cx="0" cy="0"/>
+          <a:chOff x="0" y="0"/>
+          <a:chExt cx="0" cy="0"/>
+        </a:xfrm>
+      </p:grpSpPr>
+      <p:sp>
+        <p:nvSpPr>
+          <p:cNvPr id="2" name="幻灯片图像占位符 1"/>
+          <p:cNvSpPr>
+            <a:spLocks noGrp="1" noRot="1" noChangeAspect="1"/>
+          </p:cNvSpPr>
+          <p:nvPr>
+            <p:ph type="sldImg"/>
+          </p:nvPr>
+        </p:nvSpPr>
+        <p:spPr/>
+      </p:sp>
+      <p:sp>
+        <p:nvSpPr>
+          <p:cNvPr id="3" name="备注占位符 2"/>
+          <p:cNvSpPr>
+            <a:spLocks noGrp="1"/>
+          </p:cNvSpPr>
+          <p:nvPr>
+            <p:ph type="body" idx="1"/>
+          </p:nvPr>
+        </p:nvSpPr>
+        <p:spPr/>
+        <p:txBody>
+          <a:bodyPr/>
+          <a:lstStyle/>
+          <a:p>
+            <a:r>
+              <a:rPr lang="zh-CN" altLang="en-US" dirty="0"/>
+              <a:t>不足，</a:t>
+            </a:r>
+            <a:r>
+              <a:rPr lang="en-US" altLang="zh-CN" dirty="0"/>
+              <a:t>Kinect</a:t>
+            </a:r>
+            <a:r>
+              <a:rPr lang="zh-CN" altLang="en-US" dirty="0"/>
+              <a:t>的摄像头容易受环境光，设备位置和场地的影响，</a:t>
+            </a:r>
+            <a:r>
+              <a:rPr lang="en-US" altLang="zh-CN" dirty="0"/>
+              <a:t>Kinect</a:t>
+            </a:r>
+            <a:r>
+              <a:rPr lang="zh-CN" altLang="en-US" dirty="0"/>
+              <a:t>的骨骼追踪延迟较高，不能非常即使的反映玩家状态。</a:t>
+            </a:r>
+          </a:p>
+        </p:txBody>
+      </p:sp>
+      <p:sp>
+        <p:nvSpPr>
+          <p:cNvPr id="4" name="灯片编号占位符 3"/>
+          <p:cNvSpPr>
+            <a:spLocks noGrp="1"/>
+          </p:cNvSpPr>
+          <p:nvPr>
+            <p:ph type="sldNum" sz="quarter" idx="10"/>
+          </p:nvPr>
+        </p:nvSpPr>
+        <p:spPr/>
+        <p:txBody>
+          <a:bodyPr/>
+          <a:lstStyle/>
+          <a:p>
+            <a:fld id="{44D423DC-C89E-4F30-A9C6-8C8929444DF1}" type="slidenum">
+              <a:rPr lang="zh-CN" altLang="en-US" smtClean="0"/>
+              <a:t>9</a:t>
+            </a:fld>
+            <a:endParaRPr lang="zh-CN" altLang="en-US"/>
+          </a:p>
+        </p:txBody>
+      </p:sp>
+    </p:spTree>
+    <p:extLst>
+      <p:ext uri="{BB962C8B-B14F-4D97-AF65-F5344CB8AC3E}">
+        <p14:creationId xmlns:p14="http://schemas.microsoft.com/office/powerpoint/2010/main" val="2001888029"/>
+      </p:ext>
+    </p:extLst>
+  </p:cSld>
+  <p:clrMapOvr>
+    <a:masterClrMapping/>
+  </p:clrMapOvr>
+</p:notes>
 </file>
 
 <file path=ppt/slideLayouts/slideLayout1.xml><?xml version="1.0" encoding="utf-8"?>
@@ -6888,7 +8257,7 @@
           <p:nvPr/>
         </p:nvPicPr>
         <p:blipFill>
-          <a:blip r:embed="rId2"/>
+          <a:blip r:embed="rId3"/>
           <a:stretch>
             <a:fillRect/>
           </a:stretch>
@@ -7451,7 +8820,7 @@
           <p:nvPr/>
         </p:nvPicPr>
         <p:blipFill>
-          <a:blip r:embed="rId2"/>
+          <a:blip r:embed="rId3"/>
           <a:stretch>
             <a:fillRect/>
           </a:stretch>
@@ -9238,7 +10607,7 @@
           <p:nvPr/>
         </p:nvPicPr>
         <p:blipFill>
-          <a:blip r:embed="rId2"/>
+          <a:blip r:embed="rId3"/>
           <a:stretch>
             <a:fillRect/>
           </a:stretch>
@@ -10443,7 +11812,7 @@
           <p:nvPr/>
         </p:nvPicPr>
         <p:blipFill>
-          <a:blip r:embed="rId2"/>
+          <a:blip r:embed="rId3"/>
           <a:stretch>
             <a:fillRect/>
           </a:stretch>
@@ -11491,7 +12860,7 @@
           <p:nvPr/>
         </p:nvPicPr>
         <p:blipFill>
-          <a:blip r:embed="rId2"/>
+          <a:blip r:embed="rId3"/>
           <a:stretch>
             <a:fillRect/>
           </a:stretch>
@@ -11521,7 +12890,7 @@
           <p:nvPr/>
         </p:nvPicPr>
         <p:blipFill>
-          <a:blip r:embed="rId3"/>
+          <a:blip r:embed="rId4"/>
           <a:stretch>
             <a:fillRect/>
           </a:stretch>
@@ -11698,7 +13067,7 @@
           <p:nvPr/>
         </p:nvPicPr>
         <p:blipFill rotWithShape="1">
-          <a:blip r:embed="rId2"/>
+          <a:blip r:embed="rId3"/>
           <a:srcRect l="14700" t="25276" r="28799" b="5140"/>
           <a:stretch/>
         </p:blipFill>
@@ -11727,7 +13096,7 @@
           <p:nvPr/>
         </p:nvPicPr>
         <p:blipFill>
-          <a:blip r:embed="rId3"/>
+          <a:blip r:embed="rId4"/>
           <a:stretch>
             <a:fillRect/>
           </a:stretch>
@@ -12736,7 +14105,7 @@
           <p:nvPr/>
         </p:nvPicPr>
         <p:blipFill>
-          <a:blip r:embed="rId2"/>
+          <a:blip r:embed="rId3"/>
           <a:stretch>
             <a:fillRect/>
           </a:stretch>
@@ -12802,7 +14171,7 @@
           <p:nvPr/>
         </p:nvPicPr>
         <p:blipFill rotWithShape="1">
-          <a:blip r:embed="rId2"/>
+          <a:blip r:embed="rId3"/>
           <a:srcRect l="48897"/>
           <a:stretch/>
         </p:blipFill>
@@ -13363,7 +14732,7 @@
           <p:nvPr/>
         </p:nvPicPr>
         <p:blipFill rotWithShape="1">
-          <a:blip r:embed="rId3"/>
+          <a:blip r:embed="rId4"/>
           <a:srcRect l="49574"/>
           <a:stretch/>
         </p:blipFill>
@@ -13392,7 +14761,7 @@
           <p:nvPr/>
         </p:nvPicPr>
         <p:blipFill>
-          <a:blip r:embed="rId4"/>
+          <a:blip r:embed="rId5"/>
           <a:stretch>
             <a:fillRect/>
           </a:stretch>
@@ -13422,7 +14791,7 @@
           <p:nvPr/>
         </p:nvPicPr>
         <p:blipFill>
-          <a:blip r:embed="rId5"/>
+          <a:blip r:embed="rId6"/>
           <a:stretch>
             <a:fillRect/>
           </a:stretch>
@@ -13877,6 +15246,7 @@
       <p:pic>
         <p:nvPicPr>
           <p:cNvPr id="4" name="图片 3">
+            <a:hlinkClick r:id="rId3" action="ppaction://hlinkfile"/>
             <a:extLst>
               <a:ext uri="{FF2B5EF4-FFF2-40B4-BE49-F238E27FC236}">
                 <a16:creationId xmlns:a16="http://schemas.microsoft.com/office/drawing/2014/main" id="{70E31C76-2B0E-4A46-A617-3F1ADD67A7DB}"/>
@@ -13889,7 +15259,7 @@
           <p:nvPr/>
         </p:nvPicPr>
         <p:blipFill>
-          <a:blip r:embed="rId2"/>
+          <a:blip r:embed="rId4"/>
           <a:stretch>
             <a:fillRect/>
           </a:stretch>
@@ -13919,7 +15289,7 @@
           <p:nvPr/>
         </p:nvPicPr>
         <p:blipFill>
-          <a:blip r:embed="rId3"/>
+          <a:blip r:embed="rId5"/>
           <a:stretch>
             <a:fillRect/>
           </a:stretch>
@@ -14016,7 +15386,7 @@
           <p:nvPr/>
         </p:nvPicPr>
         <p:blipFill rotWithShape="1">
-          <a:blip r:embed="rId2"/>
+          <a:blip r:embed="rId3"/>
           <a:srcRect l="49574"/>
           <a:stretch/>
         </p:blipFill>
@@ -14039,7 +15409,7 @@
           <p:nvPr/>
         </p:nvPicPr>
         <p:blipFill rotWithShape="1">
-          <a:blip r:embed="rId3"/>
+          <a:blip r:embed="rId4"/>
           <a:srcRect l="54115" t="14479" r="4250" b="12370"/>
           <a:stretch/>
         </p:blipFill>
@@ -15654,7 +17024,7 @@
           <p:nvPr/>
         </p:nvPicPr>
         <p:blipFill>
-          <a:blip r:embed="rId4"/>
+          <a:blip r:embed="rId5"/>
           <a:stretch>
             <a:fillRect/>
           </a:stretch>
@@ -16217,4 +17587,299 @@
     </a:ext>
   </a:extLst>
 </a:theme>
+</file>
+
+<file path=ppt/theme/theme3.xml><?xml version="1.0" encoding="utf-8"?>
+<a:theme xmlns:a="http://schemas.openxmlformats.org/drawingml/2006/main" name="Office 主题​​">
+  <a:themeElements>
+    <a:clrScheme name="Office">
+      <a:dk1>
+        <a:sysClr val="windowText" lastClr="000000"/>
+      </a:dk1>
+      <a:lt1>
+        <a:sysClr val="window" lastClr="FFFFFF"/>
+      </a:lt1>
+      <a:dk2>
+        <a:srgbClr val="44546A"/>
+      </a:dk2>
+      <a:lt2>
+        <a:srgbClr val="E7E6E6"/>
+      </a:lt2>
+      <a:accent1>
+        <a:srgbClr val="4472C4"/>
+      </a:accent1>
+      <a:accent2>
+        <a:srgbClr val="ED7D31"/>
+      </a:accent2>
+      <a:accent3>
+        <a:srgbClr val="A5A5A5"/>
+      </a:accent3>
+      <a:accent4>
+        <a:srgbClr val="FFC000"/>
+      </a:accent4>
+      <a:accent5>
+        <a:srgbClr val="5B9BD5"/>
+      </a:accent5>
+      <a:accent6>
+        <a:srgbClr val="70AD47"/>
+      </a:accent6>
+      <a:hlink>
+        <a:srgbClr val="0563C1"/>
+      </a:hlink>
+      <a:folHlink>
+        <a:srgbClr val="954F72"/>
+      </a:folHlink>
+    </a:clrScheme>
+    <a:fontScheme name="Office">
+      <a:majorFont>
+        <a:latin typeface="等线 Light" panose="020F0302020204030204"/>
+        <a:ea typeface=""/>
+        <a:cs typeface=""/>
+        <a:font script="Jpan" typeface="游ゴシック Light"/>
+        <a:font script="Hang" typeface="맑은 고딕"/>
+        <a:font script="Hans" typeface="等线 Light"/>
+        <a:font script="Hant" typeface="新細明體"/>
+        <a:font script="Arab" typeface="Times New Roman"/>
+        <a:font script="Hebr" typeface="Times New Roman"/>
+        <a:font script="Thai" typeface="Angsana New"/>
+        <a:font script="Ethi" typeface="Nyala"/>
+        <a:font script="Beng" typeface="Vrinda"/>
+        <a:font script="Gujr" typeface="Shruti"/>
+        <a:font script="Khmr" typeface="MoolBoran"/>
+        <a:font script="Knda" typeface="Tunga"/>
+        <a:font script="Guru" typeface="Raavi"/>
+        <a:font script="Cans" typeface="Euphemia"/>
+        <a:font script="Cher" typeface="Plantagenet Cherokee"/>
+        <a:font script="Yiii" typeface="Microsoft Yi Baiti"/>
+        <a:font script="Tibt" typeface="Microsoft Himalaya"/>
+        <a:font script="Thaa" typeface="MV Boli"/>
+        <a:font script="Deva" typeface="Mangal"/>
+        <a:font script="Telu" typeface="Gautami"/>
+        <a:font script="Taml" typeface="Latha"/>
+        <a:font script="Syrc" typeface="Estrangelo Edessa"/>
+        <a:font script="Orya" typeface="Kalinga"/>
+        <a:font script="Mlym" typeface="Kartika"/>
+        <a:font script="Laoo" typeface="DokChampa"/>
+        <a:font script="Sinh" typeface="Iskoola Pota"/>
+        <a:font script="Mong" typeface="Mongolian Baiti"/>
+        <a:font script="Viet" typeface="Times New Roman"/>
+        <a:font script="Uigh" typeface="Microsoft Uighur"/>
+        <a:font script="Geor" typeface="Sylfaen"/>
+        <a:font script="Armn" typeface="Arial"/>
+        <a:font script="Bugi" typeface="Leelawadee UI"/>
+        <a:font script="Bopo" typeface="Microsoft JhengHei"/>
+        <a:font script="Java" typeface="Javanese Text"/>
+        <a:font script="Lisu" typeface="Segoe UI"/>
+        <a:font script="Mymr" typeface="Myanmar Text"/>
+        <a:font script="Nkoo" typeface="Ebrima"/>
+        <a:font script="Olck" typeface="Nirmala UI"/>
+        <a:font script="Osma" typeface="Ebrima"/>
+        <a:font script="Phag" typeface="Phagspa"/>
+        <a:font script="Syrn" typeface="Estrangelo Edessa"/>
+        <a:font script="Syrj" typeface="Estrangelo Edessa"/>
+        <a:font script="Syre" typeface="Estrangelo Edessa"/>
+        <a:font script="Sora" typeface="Nirmala UI"/>
+        <a:font script="Tale" typeface="Microsoft Tai Le"/>
+        <a:font script="Talu" typeface="Microsoft New Tai Lue"/>
+        <a:font script="Tfng" typeface="Ebrima"/>
+      </a:majorFont>
+      <a:minorFont>
+        <a:latin typeface="等线" panose="020F0502020204030204"/>
+        <a:ea typeface=""/>
+        <a:cs typeface=""/>
+        <a:font script="Jpan" typeface="游ゴシック"/>
+        <a:font script="Hang" typeface="맑은 고딕"/>
+        <a:font script="Hans" typeface="等线"/>
+        <a:font script="Hant" typeface="新細明體"/>
+        <a:font script="Arab" typeface="Arial"/>
+        <a:font script="Hebr" typeface="Arial"/>
+        <a:font script="Thai" typeface="Cordia New"/>
+        <a:font script="Ethi" typeface="Nyala"/>
+        <a:font script="Beng" typeface="Vrinda"/>
+        <a:font script="Gujr" typeface="Shruti"/>
+        <a:font script="Khmr" typeface="DaunPenh"/>
+        <a:font script="Knda" typeface="Tunga"/>
+        <a:font script="Guru" typeface="Raavi"/>
+        <a:font script="Cans" typeface="Euphemia"/>
+        <a:font script="Cher" typeface="Plantagenet Cherokee"/>
+        <a:font script="Yiii" typeface="Microsoft Yi Baiti"/>
+        <a:font script="Tibt" typeface="Microsoft Himalaya"/>
+        <a:font script="Thaa" typeface="MV Boli"/>
+        <a:font script="Deva" typeface="Mangal"/>
+        <a:font script="Telu" typeface="Gautami"/>
+        <a:font script="Taml" typeface="Latha"/>
+        <a:font script="Syrc" typeface="Estrangelo Edessa"/>
+        <a:font script="Orya" typeface="Kalinga"/>
+        <a:font script="Mlym" typeface="Kartika"/>
+        <a:font script="Laoo" typeface="DokChampa"/>
+        <a:font script="Sinh" typeface="Iskoola Pota"/>
+        <a:font script="Mong" typeface="Mongolian Baiti"/>
+        <a:font script="Viet" typeface="Arial"/>
+        <a:font script="Uigh" typeface="Microsoft Uighur"/>
+        <a:font script="Geor" typeface="Sylfaen"/>
+        <a:font script="Armn" typeface="Arial"/>
+        <a:font script="Bugi" typeface="Leelawadee UI"/>
+        <a:font script="Bopo" typeface="Microsoft JhengHei"/>
+        <a:font script="Java" typeface="Javanese Text"/>
+        <a:font script="Lisu" typeface="Segoe UI"/>
+        <a:font script="Mymr" typeface="Myanmar Text"/>
+        <a:font script="Nkoo" typeface="Ebrima"/>
+        <a:font script="Olck" typeface="Nirmala UI"/>
+        <a:font script="Osma" typeface="Ebrima"/>
+        <a:font script="Phag" typeface="Phagspa"/>
+        <a:font script="Syrn" typeface="Estrangelo Edessa"/>
+        <a:font script="Syrj" typeface="Estrangelo Edessa"/>
+        <a:font script="Syre" typeface="Estrangelo Edessa"/>
+        <a:font script="Sora" typeface="Nirmala UI"/>
+        <a:font script="Tale" typeface="Microsoft Tai Le"/>
+        <a:font script="Talu" typeface="Microsoft New Tai Lue"/>
+        <a:font script="Tfng" typeface="Ebrima"/>
+      </a:minorFont>
+    </a:fontScheme>
+    <a:fmtScheme name="Office">
+      <a:fillStyleLst>
+        <a:solidFill>
+          <a:schemeClr val="phClr"/>
+        </a:solidFill>
+        <a:gradFill rotWithShape="1">
+          <a:gsLst>
+            <a:gs pos="0">
+              <a:schemeClr val="phClr">
+                <a:lumMod val="110000"/>
+                <a:satMod val="105000"/>
+                <a:tint val="67000"/>
+              </a:schemeClr>
+            </a:gs>
+            <a:gs pos="50000">
+              <a:schemeClr val="phClr">
+                <a:lumMod val="105000"/>
+                <a:satMod val="103000"/>
+                <a:tint val="73000"/>
+              </a:schemeClr>
+            </a:gs>
+            <a:gs pos="100000">
+              <a:schemeClr val="phClr">
+                <a:lumMod val="105000"/>
+                <a:satMod val="109000"/>
+                <a:tint val="81000"/>
+              </a:schemeClr>
+            </a:gs>
+          </a:gsLst>
+          <a:lin ang="5400000" scaled="0"/>
+        </a:gradFill>
+        <a:gradFill rotWithShape="1">
+          <a:gsLst>
+            <a:gs pos="0">
+              <a:schemeClr val="phClr">
+                <a:satMod val="103000"/>
+                <a:lumMod val="102000"/>
+                <a:tint val="94000"/>
+              </a:schemeClr>
+            </a:gs>
+            <a:gs pos="50000">
+              <a:schemeClr val="phClr">
+                <a:satMod val="110000"/>
+                <a:lumMod val="100000"/>
+                <a:shade val="100000"/>
+              </a:schemeClr>
+            </a:gs>
+            <a:gs pos="100000">
+              <a:schemeClr val="phClr">
+                <a:lumMod val="99000"/>
+                <a:satMod val="120000"/>
+                <a:shade val="78000"/>
+              </a:schemeClr>
+            </a:gs>
+          </a:gsLst>
+          <a:lin ang="5400000" scaled="0"/>
+        </a:gradFill>
+      </a:fillStyleLst>
+      <a:lnStyleLst>
+        <a:ln w="6350" cap="flat" cmpd="sng" algn="ctr">
+          <a:solidFill>
+            <a:schemeClr val="phClr"/>
+          </a:solidFill>
+          <a:prstDash val="solid"/>
+          <a:miter lim="800000"/>
+        </a:ln>
+        <a:ln w="12700" cap="flat" cmpd="sng" algn="ctr">
+          <a:solidFill>
+            <a:schemeClr val="phClr"/>
+          </a:solidFill>
+          <a:prstDash val="solid"/>
+          <a:miter lim="800000"/>
+        </a:ln>
+        <a:ln w="19050" cap="flat" cmpd="sng" algn="ctr">
+          <a:solidFill>
+            <a:schemeClr val="phClr"/>
+          </a:solidFill>
+          <a:prstDash val="solid"/>
+          <a:miter lim="800000"/>
+        </a:ln>
+      </a:lnStyleLst>
+      <a:effectStyleLst>
+        <a:effectStyle>
+          <a:effectLst/>
+        </a:effectStyle>
+        <a:effectStyle>
+          <a:effectLst/>
+        </a:effectStyle>
+        <a:effectStyle>
+          <a:effectLst>
+            <a:outerShdw blurRad="57150" dist="19050" dir="5400000" algn="ctr" rotWithShape="0">
+              <a:srgbClr val="000000">
+                <a:alpha val="63000"/>
+              </a:srgbClr>
+            </a:outerShdw>
+          </a:effectLst>
+        </a:effectStyle>
+      </a:effectStyleLst>
+      <a:bgFillStyleLst>
+        <a:solidFill>
+          <a:schemeClr val="phClr"/>
+        </a:solidFill>
+        <a:solidFill>
+          <a:schemeClr val="phClr">
+            <a:tint val="95000"/>
+            <a:satMod val="170000"/>
+          </a:schemeClr>
+        </a:solidFill>
+        <a:gradFill rotWithShape="1">
+          <a:gsLst>
+            <a:gs pos="0">
+              <a:schemeClr val="phClr">
+                <a:tint val="93000"/>
+                <a:satMod val="150000"/>
+                <a:shade val="98000"/>
+                <a:lumMod val="102000"/>
+              </a:schemeClr>
+            </a:gs>
+            <a:gs pos="50000">
+              <a:schemeClr val="phClr">
+                <a:tint val="98000"/>
+                <a:satMod val="130000"/>
+                <a:shade val="90000"/>
+                <a:lumMod val="103000"/>
+              </a:schemeClr>
+            </a:gs>
+            <a:gs pos="100000">
+              <a:schemeClr val="phClr">
+                <a:shade val="63000"/>
+                <a:satMod val="120000"/>
+              </a:schemeClr>
+            </a:gs>
+          </a:gsLst>
+          <a:lin ang="5400000" scaled="0"/>
+        </a:gradFill>
+      </a:bgFillStyleLst>
+    </a:fmtScheme>
+  </a:themeElements>
+  <a:objectDefaults/>
+  <a:extraClrSchemeLst/>
+  <a:extLst>
+    <a:ext uri="{05A4C25C-085E-4340-85A3-A5531E510DB2}">
+      <thm15:themeFamily xmlns:thm15="http://schemas.microsoft.com/office/thememl/2012/main" name="Office Theme" id="{62F939B6-93AF-4DB8-9C6B-D6C7DFDC589F}" vid="{4A3C46E8-61CC-4603-A589-7422A47A8E4A}"/>
+    </a:ext>
+  </a:extLst>
+</a:theme>
 </file>